--- a/Overview.pptx
+++ b/Overview.pptx
@@ -651,7 +651,7 @@
               <a:t>github_for_researchers</a:t>
             </a:r>
             <a:r>
-              <a:rPr lang="en-US"/>
+              <a:rPr lang="en-US" dirty="0"/>
               <a:t>/blob/master/p2.md</a:t>
             </a:r>
           </a:p>
@@ -684,6 +684,323 @@
     <p:extLst>
       <p:ext uri="{BB962C8B-B14F-4D97-AF65-F5344CB8AC3E}">
         <p14:creationId xmlns:p14="http://schemas.microsoft.com/office/powerpoint/2010/main" val="1969873107"/>
+      </p:ext>
+    </p:extLst>
+  </p:cSld>
+  <p:clrMapOvr>
+    <a:masterClrMapping/>
+  </p:clrMapOvr>
+</p:notes>
+</file>
+
+<file path=ppt/notesSlides/notesSlide3.xml><?xml version="1.0" encoding="utf-8"?>
+<p:notes xmlns:a="http://schemas.openxmlformats.org/drawingml/2006/main" xmlns:r="http://schemas.openxmlformats.org/officeDocument/2006/relationships" xmlns:p="http://schemas.openxmlformats.org/presentationml/2006/main">
+  <p:cSld>
+    <p:spTree>
+      <p:nvGrpSpPr>
+        <p:cNvPr id="1" name=""/>
+        <p:cNvGrpSpPr/>
+        <p:nvPr/>
+      </p:nvGrpSpPr>
+      <p:grpSpPr>
+        <a:xfrm>
+          <a:off x="0" y="0"/>
+          <a:ext cx="0" cy="0"/>
+          <a:chOff x="0" y="0"/>
+          <a:chExt cx="0" cy="0"/>
+        </a:xfrm>
+      </p:grpSpPr>
+      <p:sp>
+        <p:nvSpPr>
+          <p:cNvPr id="2" name="Slide Image Placeholder 1"/>
+          <p:cNvSpPr>
+            <a:spLocks noGrp="1" noRot="1" noChangeAspect="1"/>
+          </p:cNvSpPr>
+          <p:nvPr>
+            <p:ph type="sldImg"/>
+          </p:nvPr>
+        </p:nvSpPr>
+        <p:spPr/>
+      </p:sp>
+      <p:sp>
+        <p:nvSpPr>
+          <p:cNvPr id="3" name="Notes Placeholder 2"/>
+          <p:cNvSpPr>
+            <a:spLocks noGrp="1"/>
+          </p:cNvSpPr>
+          <p:nvPr>
+            <p:ph type="body" idx="1"/>
+          </p:nvPr>
+        </p:nvSpPr>
+        <p:spPr/>
+        <p:txBody>
+          <a:bodyPr/>
+          <a:lstStyle/>
+          <a:p>
+            <a:r>
+              <a:rPr lang="en-US" dirty="0"/>
+              <a:t>https://investigating-archiving-</a:t>
+            </a:r>
+            <a:r>
+              <a:rPr lang="en-US" dirty="0" err="1"/>
+              <a:t>git.gitlab.io</a:t>
+            </a:r>
+            <a:r>
+              <a:rPr lang="en-US" dirty="0"/>
+              <a:t>/about/</a:t>
+            </a:r>
+          </a:p>
+        </p:txBody>
+      </p:sp>
+      <p:sp>
+        <p:nvSpPr>
+          <p:cNvPr id="4" name="Slide Number Placeholder 3"/>
+          <p:cNvSpPr>
+            <a:spLocks noGrp="1"/>
+          </p:cNvSpPr>
+          <p:nvPr>
+            <p:ph type="sldNum" sz="quarter" idx="5"/>
+          </p:nvPr>
+        </p:nvSpPr>
+        <p:spPr/>
+        <p:txBody>
+          <a:bodyPr/>
+          <a:lstStyle/>
+          <a:p>
+            <a:fld id="{F1DC61E3-FF50-854B-B90B-0603FB757FB1}" type="slidenum">
+              <a:rPr lang="en-US" smtClean="0"/>
+              <a:t>10</a:t>
+            </a:fld>
+            <a:endParaRPr lang="en-US"/>
+          </a:p>
+        </p:txBody>
+      </p:sp>
+    </p:spTree>
+    <p:extLst>
+      <p:ext uri="{BB962C8B-B14F-4D97-AF65-F5344CB8AC3E}">
+        <p14:creationId xmlns:p14="http://schemas.microsoft.com/office/powerpoint/2010/main" val="2138251966"/>
+      </p:ext>
+    </p:extLst>
+  </p:cSld>
+  <p:clrMapOvr>
+    <a:masterClrMapping/>
+  </p:clrMapOvr>
+</p:notes>
+</file>
+
+<file path=ppt/notesSlides/notesSlide4.xml><?xml version="1.0" encoding="utf-8"?>
+<p:notes xmlns:a="http://schemas.openxmlformats.org/drawingml/2006/main" xmlns:r="http://schemas.openxmlformats.org/officeDocument/2006/relationships" xmlns:p="http://schemas.openxmlformats.org/presentationml/2006/main">
+  <p:cSld>
+    <p:spTree>
+      <p:nvGrpSpPr>
+        <p:cNvPr id="1" name=""/>
+        <p:cNvGrpSpPr/>
+        <p:nvPr/>
+      </p:nvGrpSpPr>
+      <p:grpSpPr>
+        <a:xfrm>
+          <a:off x="0" y="0"/>
+          <a:ext cx="0" cy="0"/>
+          <a:chOff x="0" y="0"/>
+          <a:chExt cx="0" cy="0"/>
+        </a:xfrm>
+      </p:grpSpPr>
+      <p:sp>
+        <p:nvSpPr>
+          <p:cNvPr id="2" name="Slide Image Placeholder 1"/>
+          <p:cNvSpPr>
+            <a:spLocks noGrp="1" noRot="1" noChangeAspect="1"/>
+          </p:cNvSpPr>
+          <p:nvPr>
+            <p:ph type="sldImg"/>
+          </p:nvPr>
+        </p:nvSpPr>
+        <p:spPr/>
+      </p:sp>
+      <p:sp>
+        <p:nvSpPr>
+          <p:cNvPr id="3" name="Notes Placeholder 2"/>
+          <p:cNvSpPr>
+            <a:spLocks noGrp="1"/>
+          </p:cNvSpPr>
+          <p:nvPr>
+            <p:ph type="body" idx="1"/>
+          </p:nvPr>
+        </p:nvSpPr>
+        <p:spPr/>
+        <p:txBody>
+          <a:bodyPr/>
+          <a:lstStyle/>
+          <a:p>
+            <a:r>
+              <a:rPr lang="en-US" dirty="0"/>
+              <a:t>https://</a:t>
+            </a:r>
+            <a:r>
+              <a:rPr lang="en-US" dirty="0" err="1"/>
+              <a:t>github.com</a:t>
+            </a:r>
+            <a:r>
+              <a:rPr lang="en-US" dirty="0"/>
+              <a:t>/</a:t>
+            </a:r>
+            <a:r>
+              <a:rPr lang="en-US" dirty="0" err="1"/>
+              <a:t>BrockDSL</a:t>
+            </a:r>
+            <a:r>
+              <a:rPr lang="en-US" dirty="0"/>
+              <a:t>/</a:t>
+            </a:r>
+            <a:r>
+              <a:rPr lang="en-US" dirty="0" err="1"/>
+              <a:t>github_for_researchers</a:t>
+            </a:r>
+            <a:r>
+              <a:rPr lang="en-US" dirty="0"/>
+              <a:t>/blob/master/p3.md</a:t>
+            </a:r>
+          </a:p>
+        </p:txBody>
+      </p:sp>
+      <p:sp>
+        <p:nvSpPr>
+          <p:cNvPr id="4" name="Slide Number Placeholder 3"/>
+          <p:cNvSpPr>
+            <a:spLocks noGrp="1"/>
+          </p:cNvSpPr>
+          <p:nvPr>
+            <p:ph type="sldNum" sz="quarter" idx="5"/>
+          </p:nvPr>
+        </p:nvSpPr>
+        <p:spPr/>
+        <p:txBody>
+          <a:bodyPr/>
+          <a:lstStyle/>
+          <a:p>
+            <a:fld id="{F1DC61E3-FF50-854B-B90B-0603FB757FB1}" type="slidenum">
+              <a:rPr lang="en-US" smtClean="0"/>
+              <a:t>11</a:t>
+            </a:fld>
+            <a:endParaRPr lang="en-US"/>
+          </a:p>
+        </p:txBody>
+      </p:sp>
+    </p:spTree>
+    <p:extLst>
+      <p:ext uri="{BB962C8B-B14F-4D97-AF65-F5344CB8AC3E}">
+        <p14:creationId xmlns:p14="http://schemas.microsoft.com/office/powerpoint/2010/main" val="3337736979"/>
+      </p:ext>
+    </p:extLst>
+  </p:cSld>
+  <p:clrMapOvr>
+    <a:masterClrMapping/>
+  </p:clrMapOvr>
+</p:notes>
+</file>
+
+<file path=ppt/notesSlides/notesSlide5.xml><?xml version="1.0" encoding="utf-8"?>
+<p:notes xmlns:a="http://schemas.openxmlformats.org/drawingml/2006/main" xmlns:r="http://schemas.openxmlformats.org/officeDocument/2006/relationships" xmlns:p="http://schemas.openxmlformats.org/presentationml/2006/main">
+  <p:cSld>
+    <p:spTree>
+      <p:nvGrpSpPr>
+        <p:cNvPr id="1" name=""/>
+        <p:cNvGrpSpPr/>
+        <p:nvPr/>
+      </p:nvGrpSpPr>
+      <p:grpSpPr>
+        <a:xfrm>
+          <a:off x="0" y="0"/>
+          <a:ext cx="0" cy="0"/>
+          <a:chOff x="0" y="0"/>
+          <a:chExt cx="0" cy="0"/>
+        </a:xfrm>
+      </p:grpSpPr>
+      <p:sp>
+        <p:nvSpPr>
+          <p:cNvPr id="2" name="Slide Image Placeholder 1"/>
+          <p:cNvSpPr>
+            <a:spLocks noGrp="1" noRot="1" noChangeAspect="1"/>
+          </p:cNvSpPr>
+          <p:nvPr>
+            <p:ph type="sldImg"/>
+          </p:nvPr>
+        </p:nvSpPr>
+        <p:spPr/>
+      </p:sp>
+      <p:sp>
+        <p:nvSpPr>
+          <p:cNvPr id="3" name="Notes Placeholder 2"/>
+          <p:cNvSpPr>
+            <a:spLocks noGrp="1"/>
+          </p:cNvSpPr>
+          <p:nvPr>
+            <p:ph type="body" idx="1"/>
+          </p:nvPr>
+        </p:nvSpPr>
+        <p:spPr/>
+        <p:txBody>
+          <a:bodyPr/>
+          <a:lstStyle/>
+          <a:p>
+            <a:r>
+              <a:rPr lang="en-US" dirty="0"/>
+              <a:t>https://</a:t>
+            </a:r>
+            <a:r>
+              <a:rPr lang="en-US" dirty="0" err="1"/>
+              <a:t>github.com</a:t>
+            </a:r>
+            <a:r>
+              <a:rPr lang="en-US" dirty="0"/>
+              <a:t>/</a:t>
+            </a:r>
+            <a:r>
+              <a:rPr lang="en-US" dirty="0" err="1"/>
+              <a:t>BrockDSL</a:t>
+            </a:r>
+            <a:r>
+              <a:rPr lang="en-US" dirty="0"/>
+              <a:t>/</a:t>
+            </a:r>
+            <a:r>
+              <a:rPr lang="en-US" dirty="0" err="1"/>
+              <a:t>github_for_researchers</a:t>
+            </a:r>
+            <a:r>
+              <a:rPr lang="en-US" dirty="0"/>
+              <a:t>/blob/master/p4.md</a:t>
+            </a:r>
+          </a:p>
+        </p:txBody>
+      </p:sp>
+      <p:sp>
+        <p:nvSpPr>
+          <p:cNvPr id="4" name="Slide Number Placeholder 3"/>
+          <p:cNvSpPr>
+            <a:spLocks noGrp="1"/>
+          </p:cNvSpPr>
+          <p:nvPr>
+            <p:ph type="sldNum" sz="quarter" idx="5"/>
+          </p:nvPr>
+        </p:nvSpPr>
+        <p:spPr/>
+        <p:txBody>
+          <a:bodyPr/>
+          <a:lstStyle/>
+          <a:p>
+            <a:fld id="{F1DC61E3-FF50-854B-B90B-0603FB757FB1}" type="slidenum">
+              <a:rPr lang="en-US" smtClean="0"/>
+              <a:t>12</a:t>
+            </a:fld>
+            <a:endParaRPr lang="en-US"/>
+          </a:p>
+        </p:txBody>
+      </p:sp>
+    </p:spTree>
+    <p:extLst>
+      <p:ext uri="{BB962C8B-B14F-4D97-AF65-F5344CB8AC3E}">
+        <p14:creationId xmlns:p14="http://schemas.microsoft.com/office/powerpoint/2010/main" val="704012969"/>
       </p:ext>
     </p:extLst>
   </p:cSld>
@@ -4112,7 +4429,7 @@
           <a:p>
             <a:r>
               <a:rPr lang="en-US" dirty="0">
-                <a:hlinkClick r:id="rId2"/>
+                <a:hlinkClick r:id="rId3"/>
               </a:rPr>
               <a:t>https://investigating-archiving-git.gitlab.io/about/</a:t>
             </a:r>

--- a/Overview.pptx
+++ b/Overview.pptx
@@ -5,7 +5,7 @@
     <p:sldMasterId id="2147483648" r:id="rId1"/>
   </p:sldMasterIdLst>
   <p:notesMasterIdLst>
-    <p:notesMasterId r:id="rId15"/>
+    <p:notesMasterId r:id="rId18"/>
   </p:notesMasterIdLst>
   <p:sldIdLst>
     <p:sldId id="256" r:id="rId2"/>
@@ -15,12 +15,15 @@
     <p:sldId id="270" r:id="rId6"/>
     <p:sldId id="259" r:id="rId7"/>
     <p:sldId id="260" r:id="rId8"/>
-    <p:sldId id="262" r:id="rId9"/>
-    <p:sldId id="263" r:id="rId10"/>
-    <p:sldId id="272" r:id="rId11"/>
-    <p:sldId id="265" r:id="rId12"/>
-    <p:sldId id="271" r:id="rId13"/>
-    <p:sldId id="267" r:id="rId14"/>
+    <p:sldId id="273" r:id="rId9"/>
+    <p:sldId id="274" r:id="rId10"/>
+    <p:sldId id="262" r:id="rId11"/>
+    <p:sldId id="263" r:id="rId12"/>
+    <p:sldId id="272" r:id="rId13"/>
+    <p:sldId id="265" r:id="rId14"/>
+    <p:sldId id="271" r:id="rId15"/>
+    <p:sldId id="267" r:id="rId16"/>
+    <p:sldId id="275" r:id="rId17"/>
   </p:sldIdLst>
   <p:sldSz cx="12192000" cy="6858000"/>
   <p:notesSz cx="6858000" cy="9144000"/>
@@ -119,6 +122,11 @@
       </a:defRPr>
     </a:lvl9pPr>
   </p:defaultTextStyle>
+  <p:extLst>
+    <p:ext uri="{EFAFB233-063F-42B5-8137-9DF3F51BA10A}">
+      <p15:sldGuideLst xmlns:p15="http://schemas.microsoft.com/office/powerpoint/2012/main"/>
+    </p:ext>
+  </p:extLst>
 </p:presentation>
 </file>
 
@@ -204,7 +212,7 @@
           <a:p>
             <a:fld id="{F6008430-4437-B140-9146-15DEA0EE57B9}" type="datetimeFigureOut">
               <a:rPr lang="en-US" smtClean="0"/>
-              <a:t>2/5/21</a:t>
+              <a:t>2/10/21</a:t>
             </a:fld>
             <a:endParaRPr lang="en-US"/>
           </a:p>
@@ -525,23 +533,7 @@
             </a:r>
             <a:r>
               <a:rPr lang="en-US" dirty="0"/>
-              <a:t>/</a:t>
-            </a:r>
-            <a:r>
-              <a:rPr lang="en-US" dirty="0" err="1"/>
-              <a:t>BrockDSL</a:t>
-            </a:r>
-            <a:r>
-              <a:rPr lang="en-US" dirty="0"/>
-              <a:t>/</a:t>
-            </a:r>
-            <a:r>
-              <a:rPr lang="en-US" dirty="0" err="1"/>
-              <a:t>github_for_researchers</a:t>
-            </a:r>
-            <a:r>
-              <a:rPr lang="en-US" dirty="0"/>
-              <a:t>/blob/master/p1.md</a:t>
+              <a:t>/settings/profile</a:t>
             </a:r>
           </a:p>
         </p:txBody>
@@ -563,7 +555,7 @@
           <a:p>
             <a:fld id="{F1DC61E3-FF50-854B-B90B-0603FB757FB1}" type="slidenum">
               <a:rPr lang="en-US" smtClean="0"/>
-              <a:t>8</a:t>
+              <a:t>9</a:t>
             </a:fld>
             <a:endParaRPr lang="en-US"/>
           </a:p>
@@ -572,7 +564,7 @@
     </p:spTree>
     <p:extLst>
       <p:ext uri="{BB962C8B-B14F-4D97-AF65-F5344CB8AC3E}">
-        <p14:creationId xmlns:p14="http://schemas.microsoft.com/office/powerpoint/2010/main" val="2958000500"/>
+        <p14:creationId xmlns:p14="http://schemas.microsoft.com/office/powerpoint/2010/main" val="4194281209"/>
       </p:ext>
     </p:extLst>
   </p:cSld>
@@ -632,7 +624,7 @@
             </a:r>
             <a:r>
               <a:rPr lang="en-US" dirty="0" err="1"/>
-              <a:t>github.com</a:t>
+              <a:t>raw.githubusercontent.com</a:t>
             </a:r>
             <a:r>
               <a:rPr lang="en-US" dirty="0"/>
@@ -652,8 +644,11 @@
             </a:r>
             <a:r>
               <a:rPr lang="en-US" dirty="0"/>
-              <a:t>/blob/master/p2.md</a:t>
-            </a:r>
+              <a:t>/master/p1.pdf</a:t>
+            </a:r>
+          </a:p>
+          <a:p>
+            <a:endParaRPr lang="en-US" dirty="0"/>
           </a:p>
         </p:txBody>
       </p:sp>
@@ -674,7 +669,7 @@
           <a:p>
             <a:fld id="{F1DC61E3-FF50-854B-B90B-0603FB757FB1}" type="slidenum">
               <a:rPr lang="en-US" smtClean="0"/>
-              <a:t>9</a:t>
+              <a:t>10</a:t>
             </a:fld>
             <a:endParaRPr lang="en-US"/>
           </a:p>
@@ -683,7 +678,7 @@
     </p:spTree>
     <p:extLst>
       <p:ext uri="{BB962C8B-B14F-4D97-AF65-F5344CB8AC3E}">
-        <p14:creationId xmlns:p14="http://schemas.microsoft.com/office/powerpoint/2010/main" val="1969873107"/>
+        <p14:creationId xmlns:p14="http://schemas.microsoft.com/office/powerpoint/2010/main" val="2958000500"/>
       </p:ext>
     </p:extLst>
   </p:cSld>
@@ -739,15 +734,31 @@
           <a:p>
             <a:r>
               <a:rPr lang="en-US" dirty="0"/>
-              <a:t>https://investigating-archiving-</a:t>
+              <a:t>https://</a:t>
             </a:r>
             <a:r>
               <a:rPr lang="en-US" dirty="0" err="1"/>
-              <a:t>git.gitlab.io</a:t>
+              <a:t>raw.githubusercontent.com</a:t>
             </a:r>
             <a:r>
               <a:rPr lang="en-US" dirty="0"/>
-              <a:t>/about/</a:t>
+              <a:t>/</a:t>
+            </a:r>
+            <a:r>
+              <a:rPr lang="en-US" dirty="0" err="1"/>
+              <a:t>BrockDSL</a:t>
+            </a:r>
+            <a:r>
+              <a:rPr lang="en-US" dirty="0"/>
+              <a:t>/</a:t>
+            </a:r>
+            <a:r>
+              <a:rPr lang="en-US" dirty="0" err="1"/>
+              <a:t>github_for_researchers</a:t>
+            </a:r>
+            <a:r>
+              <a:rPr lang="en-US" dirty="0"/>
+              <a:t>/master/p2.pdf</a:t>
             </a:r>
           </a:p>
         </p:txBody>
@@ -769,7 +780,7 @@
           <a:p>
             <a:fld id="{F1DC61E3-FF50-854B-B90B-0603FB757FB1}" type="slidenum">
               <a:rPr lang="en-US" smtClean="0"/>
-              <a:t>10</a:t>
+              <a:t>11</a:t>
             </a:fld>
             <a:endParaRPr lang="en-US"/>
           </a:p>
@@ -778,7 +789,7 @@
     </p:spTree>
     <p:extLst>
       <p:ext uri="{BB962C8B-B14F-4D97-AF65-F5344CB8AC3E}">
-        <p14:creationId xmlns:p14="http://schemas.microsoft.com/office/powerpoint/2010/main" val="2138251966"/>
+        <p14:creationId xmlns:p14="http://schemas.microsoft.com/office/powerpoint/2010/main" val="1969873107"/>
       </p:ext>
     </p:extLst>
   </p:cSld>
@@ -834,31 +845,15 @@
           <a:p>
             <a:r>
               <a:rPr lang="en-US" dirty="0"/>
-              <a:t>https://</a:t>
+              <a:t>https://investigating-archiving-</a:t>
             </a:r>
             <a:r>
               <a:rPr lang="en-US" dirty="0" err="1"/>
-              <a:t>github.com</a:t>
+              <a:t>git.gitlab.io</a:t>
             </a:r>
             <a:r>
               <a:rPr lang="en-US" dirty="0"/>
-              <a:t>/</a:t>
-            </a:r>
-            <a:r>
-              <a:rPr lang="en-US" dirty="0" err="1"/>
-              <a:t>BrockDSL</a:t>
-            </a:r>
-            <a:r>
-              <a:rPr lang="en-US" dirty="0"/>
-              <a:t>/</a:t>
-            </a:r>
-            <a:r>
-              <a:rPr lang="en-US" dirty="0" err="1"/>
-              <a:t>github_for_researchers</a:t>
-            </a:r>
-            <a:r>
-              <a:rPr lang="en-US" dirty="0"/>
-              <a:t>/blob/master/p3.md</a:t>
+              <a:t>/about/</a:t>
             </a:r>
           </a:p>
         </p:txBody>
@@ -880,7 +875,7 @@
           <a:p>
             <a:fld id="{F1DC61E3-FF50-854B-B90B-0603FB757FB1}" type="slidenum">
               <a:rPr lang="en-US" smtClean="0"/>
-              <a:t>11</a:t>
+              <a:t>12</a:t>
             </a:fld>
             <a:endParaRPr lang="en-US"/>
           </a:p>
@@ -889,7 +884,7 @@
     </p:spTree>
     <p:extLst>
       <p:ext uri="{BB962C8B-B14F-4D97-AF65-F5344CB8AC3E}">
-        <p14:creationId xmlns:p14="http://schemas.microsoft.com/office/powerpoint/2010/main" val="3337736979"/>
+        <p14:creationId xmlns:p14="http://schemas.microsoft.com/office/powerpoint/2010/main" val="2138251966"/>
       </p:ext>
     </p:extLst>
   </p:cSld>
@@ -949,7 +944,7 @@
             </a:r>
             <a:r>
               <a:rPr lang="en-US" dirty="0" err="1"/>
-              <a:t>github.com</a:t>
+              <a:t>raw.githubusercontent.com</a:t>
             </a:r>
             <a:r>
               <a:rPr lang="en-US" dirty="0"/>
@@ -969,7 +964,7 @@
             </a:r>
             <a:r>
               <a:rPr lang="en-US" dirty="0"/>
-              <a:t>/blob/master/p4.md</a:t>
+              <a:t>/master/p3.pdf</a:t>
             </a:r>
           </a:p>
         </p:txBody>
@@ -991,7 +986,118 @@
           <a:p>
             <a:fld id="{F1DC61E3-FF50-854B-B90B-0603FB757FB1}" type="slidenum">
               <a:rPr lang="en-US" smtClean="0"/>
-              <a:t>12</a:t>
+              <a:t>13</a:t>
+            </a:fld>
+            <a:endParaRPr lang="en-US"/>
+          </a:p>
+        </p:txBody>
+      </p:sp>
+    </p:spTree>
+    <p:extLst>
+      <p:ext uri="{BB962C8B-B14F-4D97-AF65-F5344CB8AC3E}">
+        <p14:creationId xmlns:p14="http://schemas.microsoft.com/office/powerpoint/2010/main" val="3337736979"/>
+      </p:ext>
+    </p:extLst>
+  </p:cSld>
+  <p:clrMapOvr>
+    <a:masterClrMapping/>
+  </p:clrMapOvr>
+</p:notes>
+</file>
+
+<file path=ppt/notesSlides/notesSlide6.xml><?xml version="1.0" encoding="utf-8"?>
+<p:notes xmlns:a="http://schemas.openxmlformats.org/drawingml/2006/main" xmlns:r="http://schemas.openxmlformats.org/officeDocument/2006/relationships" xmlns:p="http://schemas.openxmlformats.org/presentationml/2006/main">
+  <p:cSld>
+    <p:spTree>
+      <p:nvGrpSpPr>
+        <p:cNvPr id="1" name=""/>
+        <p:cNvGrpSpPr/>
+        <p:nvPr/>
+      </p:nvGrpSpPr>
+      <p:grpSpPr>
+        <a:xfrm>
+          <a:off x="0" y="0"/>
+          <a:ext cx="0" cy="0"/>
+          <a:chOff x="0" y="0"/>
+          <a:chExt cx="0" cy="0"/>
+        </a:xfrm>
+      </p:grpSpPr>
+      <p:sp>
+        <p:nvSpPr>
+          <p:cNvPr id="2" name="Slide Image Placeholder 1"/>
+          <p:cNvSpPr>
+            <a:spLocks noGrp="1" noRot="1" noChangeAspect="1"/>
+          </p:cNvSpPr>
+          <p:nvPr>
+            <p:ph type="sldImg"/>
+          </p:nvPr>
+        </p:nvSpPr>
+        <p:spPr/>
+      </p:sp>
+      <p:sp>
+        <p:nvSpPr>
+          <p:cNvPr id="3" name="Notes Placeholder 2"/>
+          <p:cNvSpPr>
+            <a:spLocks noGrp="1"/>
+          </p:cNvSpPr>
+          <p:nvPr>
+            <p:ph type="body" idx="1"/>
+          </p:nvPr>
+        </p:nvSpPr>
+        <p:spPr/>
+        <p:txBody>
+          <a:bodyPr/>
+          <a:lstStyle/>
+          <a:p>
+            <a:r>
+              <a:rPr lang="en-US" dirty="0"/>
+              <a:t>https://</a:t>
+            </a:r>
+            <a:r>
+              <a:rPr lang="en-US" dirty="0" err="1"/>
+              <a:t>raw.githubusercontent.com</a:t>
+            </a:r>
+            <a:r>
+              <a:rPr lang="en-US" dirty="0"/>
+              <a:t>/</a:t>
+            </a:r>
+            <a:r>
+              <a:rPr lang="en-US" dirty="0" err="1"/>
+              <a:t>BrockDSL</a:t>
+            </a:r>
+            <a:r>
+              <a:rPr lang="en-US" dirty="0"/>
+              <a:t>/</a:t>
+            </a:r>
+            <a:r>
+              <a:rPr lang="en-US" dirty="0" err="1"/>
+              <a:t>github_for_researchers</a:t>
+            </a:r>
+            <a:r>
+              <a:rPr lang="en-US" dirty="0"/>
+              <a:t>/master/p4.pdf</a:t>
+            </a:r>
+          </a:p>
+        </p:txBody>
+      </p:sp>
+      <p:sp>
+        <p:nvSpPr>
+          <p:cNvPr id="4" name="Slide Number Placeholder 3"/>
+          <p:cNvSpPr>
+            <a:spLocks noGrp="1"/>
+          </p:cNvSpPr>
+          <p:nvPr>
+            <p:ph type="sldNum" sz="quarter" idx="5"/>
+          </p:nvPr>
+        </p:nvSpPr>
+        <p:spPr/>
+        <p:txBody>
+          <a:bodyPr/>
+          <a:lstStyle/>
+          <a:p>
+            <a:fld id="{F1DC61E3-FF50-854B-B90B-0603FB757FB1}" type="slidenum">
+              <a:rPr lang="en-US" smtClean="0"/>
+              <a:t>14</a:t>
             </a:fld>
             <a:endParaRPr lang="en-US"/>
           </a:p>
@@ -1157,7 +1263,7 @@
           <a:p>
             <a:fld id="{88AEC091-92A8-3744-B3FE-448EBFE3AE7F}" type="datetimeFigureOut">
               <a:rPr lang="en-US" smtClean="0"/>
-              <a:t>1/27/21</a:t>
+              <a:t>2/10/21</a:t>
             </a:fld>
             <a:endParaRPr lang="en-US"/>
           </a:p>
@@ -1355,7 +1461,7 @@
           <a:p>
             <a:fld id="{88AEC091-92A8-3744-B3FE-448EBFE3AE7F}" type="datetimeFigureOut">
               <a:rPr lang="en-US" smtClean="0"/>
-              <a:t>1/27/21</a:t>
+              <a:t>2/10/21</a:t>
             </a:fld>
             <a:endParaRPr lang="en-US"/>
           </a:p>
@@ -1563,7 +1669,7 @@
           <a:p>
             <a:fld id="{88AEC091-92A8-3744-B3FE-448EBFE3AE7F}" type="datetimeFigureOut">
               <a:rPr lang="en-US" smtClean="0"/>
-              <a:t>1/27/21</a:t>
+              <a:t>2/10/21</a:t>
             </a:fld>
             <a:endParaRPr lang="en-US"/>
           </a:p>
@@ -1761,7 +1867,7 @@
           <a:p>
             <a:fld id="{88AEC091-92A8-3744-B3FE-448EBFE3AE7F}" type="datetimeFigureOut">
               <a:rPr lang="en-US" smtClean="0"/>
-              <a:t>1/27/21</a:t>
+              <a:t>2/10/21</a:t>
             </a:fld>
             <a:endParaRPr lang="en-US"/>
           </a:p>
@@ -2036,7 +2142,7 @@
           <a:p>
             <a:fld id="{88AEC091-92A8-3744-B3FE-448EBFE3AE7F}" type="datetimeFigureOut">
               <a:rPr lang="en-US" smtClean="0"/>
-              <a:t>1/27/21</a:t>
+              <a:t>2/10/21</a:t>
             </a:fld>
             <a:endParaRPr lang="en-US"/>
           </a:p>
@@ -2301,7 +2407,7 @@
           <a:p>
             <a:fld id="{88AEC091-92A8-3744-B3FE-448EBFE3AE7F}" type="datetimeFigureOut">
               <a:rPr lang="en-US" smtClean="0"/>
-              <a:t>1/27/21</a:t>
+              <a:t>2/10/21</a:t>
             </a:fld>
             <a:endParaRPr lang="en-US"/>
           </a:p>
@@ -2713,7 +2819,7 @@
           <a:p>
             <a:fld id="{88AEC091-92A8-3744-B3FE-448EBFE3AE7F}" type="datetimeFigureOut">
               <a:rPr lang="en-US" smtClean="0"/>
-              <a:t>1/27/21</a:t>
+              <a:t>2/10/21</a:t>
             </a:fld>
             <a:endParaRPr lang="en-US"/>
           </a:p>
@@ -2854,7 +2960,7 @@
           <a:p>
             <a:fld id="{88AEC091-92A8-3744-B3FE-448EBFE3AE7F}" type="datetimeFigureOut">
               <a:rPr lang="en-US" smtClean="0"/>
-              <a:t>1/27/21</a:t>
+              <a:t>2/10/21</a:t>
             </a:fld>
             <a:endParaRPr lang="en-US"/>
           </a:p>
@@ -2967,7 +3073,7 @@
           <a:p>
             <a:fld id="{88AEC091-92A8-3744-B3FE-448EBFE3AE7F}" type="datetimeFigureOut">
               <a:rPr lang="en-US" smtClean="0"/>
-              <a:t>1/27/21</a:t>
+              <a:t>2/10/21</a:t>
             </a:fld>
             <a:endParaRPr lang="en-US"/>
           </a:p>
@@ -3278,7 +3384,7 @@
           <a:p>
             <a:fld id="{88AEC091-92A8-3744-B3FE-448EBFE3AE7F}" type="datetimeFigureOut">
               <a:rPr lang="en-US" smtClean="0"/>
-              <a:t>1/27/21</a:t>
+              <a:t>2/10/21</a:t>
             </a:fld>
             <a:endParaRPr lang="en-US"/>
           </a:p>
@@ -3566,7 +3672,7 @@
           <a:p>
             <a:fld id="{88AEC091-92A8-3744-B3FE-448EBFE3AE7F}" type="datetimeFigureOut">
               <a:rPr lang="en-US" smtClean="0"/>
-              <a:t>1/27/21</a:t>
+              <a:t>2/10/21</a:t>
             </a:fld>
             <a:endParaRPr lang="en-US"/>
           </a:p>
@@ -3807,7 +3913,7 @@
           <a:p>
             <a:fld id="{88AEC091-92A8-3744-B3FE-448EBFE3AE7F}" type="datetimeFigureOut">
               <a:rPr lang="en-US" smtClean="0"/>
-              <a:t>1/27/21</a:t>
+              <a:t>2/10/21</a:t>
             </a:fld>
             <a:endParaRPr lang="en-US"/>
           </a:p>
@@ -4346,7 +4452,7 @@
           <p:cNvPr id="2" name="Title 1">
             <a:extLst>
               <a:ext uri="{FF2B5EF4-FFF2-40B4-BE49-F238E27FC236}">
-                <a16:creationId xmlns:a16="http://schemas.microsoft.com/office/drawing/2014/main" id="{90D194F4-2691-6A41-81A3-8F2CBCCFDB7B}"/>
+                <a16:creationId xmlns:a16="http://schemas.microsoft.com/office/drawing/2014/main" id="{55B23197-2E69-3344-AB53-F20F7EE34E3F}"/>
               </a:ext>
             </a:extLst>
           </p:cNvPr>
@@ -4364,7 +4470,7 @@
           <a:p>
             <a:r>
               <a:rPr lang="en-US" dirty="0"/>
-              <a:t>A brief interlude</a:t>
+              <a:t>The scenario. P1</a:t>
             </a:r>
           </a:p>
         </p:txBody>
@@ -4374,7 +4480,7 @@
           <p:cNvPr id="3" name="Content Placeholder 2">
             <a:extLst>
               <a:ext uri="{FF2B5EF4-FFF2-40B4-BE49-F238E27FC236}">
-                <a16:creationId xmlns:a16="http://schemas.microsoft.com/office/drawing/2014/main" id="{709A035B-C725-8145-81B3-18FD7635C3F4}"/>
+                <a16:creationId xmlns:a16="http://schemas.microsoft.com/office/drawing/2014/main" id="{2000A714-3FCF-5243-A03C-DFACB3705D5C}"/>
               </a:ext>
             </a:extLst>
           </p:cNvPr>
@@ -4387,25 +4493,30 @@
         </p:nvSpPr>
         <p:spPr/>
         <p:txBody>
-          <a:bodyPr/>
+          <a:bodyPr anchor="ctr"/>
           <a:lstStyle/>
           <a:p>
             <a:r>
               <a:rPr lang="en-US" dirty="0"/>
-              <a:t>How to researchers use git?</a:t>
-            </a:r>
-          </a:p>
-          <a:p>
-            <a:endParaRPr lang="en-US" dirty="0"/>
-          </a:p>
-          <a:p>
-            <a:r>
-              <a:rPr lang="en-US" dirty="0"/>
-              <a:t>Glad you asked!</a:t>
-            </a:r>
-          </a:p>
-          <a:p>
-            <a:pPr marL="0" indent="0">
+              <a:t>You are a researcher who has put together 2 things:</a:t>
+            </a:r>
+          </a:p>
+          <a:p>
+            <a:pPr lvl="1"/>
+            <a:r>
+              <a:rPr lang="en-US" sz="2800" dirty="0"/>
+              <a:t>A bit of code that does some analysis</a:t>
+            </a:r>
+          </a:p>
+          <a:p>
+            <a:pPr lvl="1"/>
+            <a:r>
+              <a:rPr lang="en-US" sz="2800" dirty="0"/>
+              <a:t>A dataset</a:t>
+            </a:r>
+          </a:p>
+          <a:p>
+            <a:pPr marL="457200" lvl="1" indent="0">
               <a:buNone/>
             </a:pPr>
             <a:endParaRPr lang="en-US" dirty="0"/>
@@ -4413,37 +4524,15 @@
           <a:p>
             <a:r>
               <a:rPr lang="en-US" dirty="0"/>
-              <a:t>Research Project: </a:t>
-            </a:r>
-            <a:r>
-              <a:rPr lang="en-US" i="1" dirty="0"/>
-              <a:t>Investigating &amp; Archiving the Scholarly Git Experience (IASGE)</a:t>
-            </a:r>
-          </a:p>
-          <a:p>
-            <a:pPr marL="0" indent="0">
-              <a:buNone/>
-            </a:pPr>
-            <a:endParaRPr lang="en-US" dirty="0"/>
-          </a:p>
-          <a:p>
-            <a:r>
-              <a:rPr lang="en-US" dirty="0">
-                <a:hlinkClick r:id="rId3"/>
-              </a:rPr>
-              <a:t>https://investigating-archiving-git.gitlab.io/about/</a:t>
-            </a:r>
-            <a:endParaRPr lang="en-US" dirty="0"/>
-          </a:p>
-          <a:p>
-            <a:endParaRPr lang="en-US" dirty="0"/>
+              <a:t>You’d like to put this online and get feedback from your colleagues, establish connections around this </a:t>
+            </a:r>
           </a:p>
         </p:txBody>
       </p:sp>
     </p:spTree>
     <p:extLst>
       <p:ext uri="{BB962C8B-B14F-4D97-AF65-F5344CB8AC3E}">
-        <p14:creationId xmlns:p14="http://schemas.microsoft.com/office/powerpoint/2010/main" val="4200116928"/>
+        <p14:creationId xmlns:p14="http://schemas.microsoft.com/office/powerpoint/2010/main" val="416151956"/>
       </p:ext>
     </p:extLst>
   </p:cSld>
@@ -4475,7 +4564,7 @@
           <p:cNvPr id="2" name="Title 1">
             <a:extLst>
               <a:ext uri="{FF2B5EF4-FFF2-40B4-BE49-F238E27FC236}">
-                <a16:creationId xmlns:a16="http://schemas.microsoft.com/office/drawing/2014/main" id="{C9A11CB6-EE7B-C340-9FB6-D625083907E2}"/>
+                <a16:creationId xmlns:a16="http://schemas.microsoft.com/office/drawing/2014/main" id="{04770B46-3308-2F42-9B8A-298F20D923FE}"/>
               </a:ext>
             </a:extLst>
           </p:cNvPr>
@@ -4493,7 +4582,7 @@
           <a:p>
             <a:r>
               <a:rPr lang="en-US" dirty="0"/>
-              <a:t>Scenario P.3</a:t>
+              <a:t>The Scenario P2.</a:t>
             </a:r>
           </a:p>
         </p:txBody>
@@ -4503,7 +4592,7 @@
           <p:cNvPr id="3" name="Content Placeholder 2">
             <a:extLst>
               <a:ext uri="{FF2B5EF4-FFF2-40B4-BE49-F238E27FC236}">
-                <a16:creationId xmlns:a16="http://schemas.microsoft.com/office/drawing/2014/main" id="{006FBAC7-A8FB-A345-8116-4A554B38BF17}"/>
+                <a16:creationId xmlns:a16="http://schemas.microsoft.com/office/drawing/2014/main" id="{0C5170C0-894B-7547-A43F-EC686E1D88EB}"/>
               </a:ext>
             </a:extLst>
           </p:cNvPr>
@@ -4516,20 +4605,32 @@
         </p:nvSpPr>
         <p:spPr/>
         <p:txBody>
-          <a:bodyPr/>
+          <a:bodyPr anchor="ctr"/>
           <a:lstStyle/>
           <a:p>
             <a:r>
               <a:rPr lang="en-US" dirty="0"/>
-              <a:t>You are applying for a grant and you need to make a web presence for your project so that it can be accessed by people not familiar with code</a:t>
-            </a:r>
+              <a:t>A collaborator has added some changes to your code!</a:t>
+            </a:r>
+          </a:p>
+          <a:p>
+            <a:r>
+              <a:rPr lang="en-US" dirty="0"/>
+              <a:t>Let’s load up those changes</a:t>
+            </a:r>
+          </a:p>
+          <a:p>
+            <a:pPr marL="0" indent="0">
+              <a:buNone/>
+            </a:pPr>
+            <a:endParaRPr lang="en-US" dirty="0"/>
           </a:p>
         </p:txBody>
       </p:sp>
     </p:spTree>
     <p:extLst>
       <p:ext uri="{BB962C8B-B14F-4D97-AF65-F5344CB8AC3E}">
-        <p14:creationId xmlns:p14="http://schemas.microsoft.com/office/powerpoint/2010/main" val="1964885435"/>
+        <p14:creationId xmlns:p14="http://schemas.microsoft.com/office/powerpoint/2010/main" val="292596523"/>
       </p:ext>
     </p:extLst>
   </p:cSld>
@@ -4561,7 +4662,7 @@
           <p:cNvPr id="2" name="Title 1">
             <a:extLst>
               <a:ext uri="{FF2B5EF4-FFF2-40B4-BE49-F238E27FC236}">
-                <a16:creationId xmlns:a16="http://schemas.microsoft.com/office/drawing/2014/main" id="{8A5F5D97-8AE6-7B40-9C7E-103214E34641}"/>
+                <a16:creationId xmlns:a16="http://schemas.microsoft.com/office/drawing/2014/main" id="{90D194F4-2691-6A41-81A3-8F2CBCCFDB7B}"/>
               </a:ext>
             </a:extLst>
           </p:cNvPr>
@@ -4579,7 +4680,7 @@
           <a:p>
             <a:r>
               <a:rPr lang="en-US" dirty="0"/>
-              <a:t>Scenario P.4</a:t>
+              <a:t>A brief interlude</a:t>
             </a:r>
           </a:p>
         </p:txBody>
@@ -4589,7 +4690,7 @@
           <p:cNvPr id="3" name="Content Placeholder 2">
             <a:extLst>
               <a:ext uri="{FF2B5EF4-FFF2-40B4-BE49-F238E27FC236}">
-                <a16:creationId xmlns:a16="http://schemas.microsoft.com/office/drawing/2014/main" id="{21176984-CB54-E542-82ED-D206A5B3D49A}"/>
+                <a16:creationId xmlns:a16="http://schemas.microsoft.com/office/drawing/2014/main" id="{709A035B-C725-8145-81B3-18FD7635C3F4}"/>
               </a:ext>
             </a:extLst>
           </p:cNvPr>
@@ -4607,15 +4708,58 @@
           <a:p>
             <a:r>
               <a:rPr lang="en-US" dirty="0"/>
-              <a:t>Our lab has generated some more data, let’s update our repository for it.</a:t>
-            </a:r>
+              <a:t>How do researchers use git?</a:t>
+            </a:r>
+          </a:p>
+          <a:p>
+            <a:endParaRPr lang="en-US" dirty="0"/>
+          </a:p>
+          <a:p>
+            <a:r>
+              <a:rPr lang="en-US" dirty="0"/>
+              <a:t>Glad you asked!</a:t>
+            </a:r>
+          </a:p>
+          <a:p>
+            <a:pPr marL="0" indent="0">
+              <a:buNone/>
+            </a:pPr>
+            <a:endParaRPr lang="en-US" dirty="0"/>
+          </a:p>
+          <a:p>
+            <a:r>
+              <a:rPr lang="en-US" dirty="0"/>
+              <a:t>Research Project: </a:t>
+            </a:r>
+            <a:r>
+              <a:rPr lang="en-US" i="1" dirty="0"/>
+              <a:t>Investigating &amp; Archiving the Scholarly Git Experience (IASGE)</a:t>
+            </a:r>
+          </a:p>
+          <a:p>
+            <a:pPr marL="0" indent="0">
+              <a:buNone/>
+            </a:pPr>
+            <a:endParaRPr lang="en-US" dirty="0"/>
+          </a:p>
+          <a:p>
+            <a:r>
+              <a:rPr lang="en-US" dirty="0">
+                <a:hlinkClick r:id="rId3"/>
+              </a:rPr>
+              <a:t>https://investigating-archiving-git.gitlab.io/about/</a:t>
+            </a:r>
+            <a:endParaRPr lang="en-US" dirty="0"/>
+          </a:p>
+          <a:p>
+            <a:endParaRPr lang="en-US" dirty="0"/>
           </a:p>
         </p:txBody>
       </p:sp>
     </p:spTree>
     <p:extLst>
       <p:ext uri="{BB962C8B-B14F-4D97-AF65-F5344CB8AC3E}">
-        <p14:creationId xmlns:p14="http://schemas.microsoft.com/office/powerpoint/2010/main" val="294512541"/>
+        <p14:creationId xmlns:p14="http://schemas.microsoft.com/office/powerpoint/2010/main" val="4200116928"/>
       </p:ext>
     </p:extLst>
   </p:cSld>
@@ -4647,6 +4791,178 @@
           <p:cNvPr id="2" name="Title 1">
             <a:extLst>
               <a:ext uri="{FF2B5EF4-FFF2-40B4-BE49-F238E27FC236}">
+                <a16:creationId xmlns:a16="http://schemas.microsoft.com/office/drawing/2014/main" id="{C9A11CB6-EE7B-C340-9FB6-D625083907E2}"/>
+              </a:ext>
+            </a:extLst>
+          </p:cNvPr>
+          <p:cNvSpPr>
+            <a:spLocks noGrp="1"/>
+          </p:cNvSpPr>
+          <p:nvPr>
+            <p:ph type="title"/>
+          </p:nvPr>
+        </p:nvSpPr>
+        <p:spPr/>
+        <p:txBody>
+          <a:bodyPr/>
+          <a:lstStyle/>
+          <a:p>
+            <a:r>
+              <a:rPr lang="en-US" dirty="0"/>
+              <a:t>Scenario P.3</a:t>
+            </a:r>
+          </a:p>
+        </p:txBody>
+      </p:sp>
+      <p:sp>
+        <p:nvSpPr>
+          <p:cNvPr id="3" name="Content Placeholder 2">
+            <a:extLst>
+              <a:ext uri="{FF2B5EF4-FFF2-40B4-BE49-F238E27FC236}">
+                <a16:creationId xmlns:a16="http://schemas.microsoft.com/office/drawing/2014/main" id="{006FBAC7-A8FB-A345-8116-4A554B38BF17}"/>
+              </a:ext>
+            </a:extLst>
+          </p:cNvPr>
+          <p:cNvSpPr>
+            <a:spLocks noGrp="1"/>
+          </p:cNvSpPr>
+          <p:nvPr>
+            <p:ph idx="1"/>
+          </p:nvPr>
+        </p:nvSpPr>
+        <p:spPr/>
+        <p:txBody>
+          <a:bodyPr anchor="ctr"/>
+          <a:lstStyle/>
+          <a:p>
+            <a:r>
+              <a:rPr lang="en-US" dirty="0"/>
+              <a:t>You are applying for a grant and you need to make a web presence for your project so that it can be accessed by people not familiar with code</a:t>
+            </a:r>
+          </a:p>
+        </p:txBody>
+      </p:sp>
+    </p:spTree>
+    <p:extLst>
+      <p:ext uri="{BB962C8B-B14F-4D97-AF65-F5344CB8AC3E}">
+        <p14:creationId xmlns:p14="http://schemas.microsoft.com/office/powerpoint/2010/main" val="1964885435"/>
+      </p:ext>
+    </p:extLst>
+  </p:cSld>
+  <p:clrMapOvr>
+    <a:masterClrMapping/>
+  </p:clrMapOvr>
+</p:sld>
+</file>
+
+<file path=ppt/slides/slide14.xml><?xml version="1.0" encoding="utf-8"?>
+<p:sld xmlns:a="http://schemas.openxmlformats.org/drawingml/2006/main" xmlns:r="http://schemas.openxmlformats.org/officeDocument/2006/relationships" xmlns:p="http://schemas.openxmlformats.org/presentationml/2006/main">
+  <p:cSld>
+    <p:spTree>
+      <p:nvGrpSpPr>
+        <p:cNvPr id="1" name=""/>
+        <p:cNvGrpSpPr/>
+        <p:nvPr/>
+      </p:nvGrpSpPr>
+      <p:grpSpPr>
+        <a:xfrm>
+          <a:off x="0" y="0"/>
+          <a:ext cx="0" cy="0"/>
+          <a:chOff x="0" y="0"/>
+          <a:chExt cx="0" cy="0"/>
+        </a:xfrm>
+      </p:grpSpPr>
+      <p:sp>
+        <p:nvSpPr>
+          <p:cNvPr id="2" name="Title 1">
+            <a:extLst>
+              <a:ext uri="{FF2B5EF4-FFF2-40B4-BE49-F238E27FC236}">
+                <a16:creationId xmlns:a16="http://schemas.microsoft.com/office/drawing/2014/main" id="{8A5F5D97-8AE6-7B40-9C7E-103214E34641}"/>
+              </a:ext>
+            </a:extLst>
+          </p:cNvPr>
+          <p:cNvSpPr>
+            <a:spLocks noGrp="1"/>
+          </p:cNvSpPr>
+          <p:nvPr>
+            <p:ph type="title"/>
+          </p:nvPr>
+        </p:nvSpPr>
+        <p:spPr/>
+        <p:txBody>
+          <a:bodyPr/>
+          <a:lstStyle/>
+          <a:p>
+            <a:r>
+              <a:rPr lang="en-US" dirty="0"/>
+              <a:t>Scenario P.4</a:t>
+            </a:r>
+          </a:p>
+        </p:txBody>
+      </p:sp>
+      <p:sp>
+        <p:nvSpPr>
+          <p:cNvPr id="3" name="Content Placeholder 2">
+            <a:extLst>
+              <a:ext uri="{FF2B5EF4-FFF2-40B4-BE49-F238E27FC236}">
+                <a16:creationId xmlns:a16="http://schemas.microsoft.com/office/drawing/2014/main" id="{21176984-CB54-E542-82ED-D206A5B3D49A}"/>
+              </a:ext>
+            </a:extLst>
+          </p:cNvPr>
+          <p:cNvSpPr>
+            <a:spLocks noGrp="1"/>
+          </p:cNvSpPr>
+          <p:nvPr>
+            <p:ph idx="1"/>
+          </p:nvPr>
+        </p:nvSpPr>
+        <p:spPr/>
+        <p:txBody>
+          <a:bodyPr anchor="ctr"/>
+          <a:lstStyle/>
+          <a:p>
+            <a:r>
+              <a:rPr lang="en-US" dirty="0"/>
+              <a:t>Our lab has generated some more data, let’s update our repository for it.</a:t>
+            </a:r>
+          </a:p>
+        </p:txBody>
+      </p:sp>
+    </p:spTree>
+    <p:extLst>
+      <p:ext uri="{BB962C8B-B14F-4D97-AF65-F5344CB8AC3E}">
+        <p14:creationId xmlns:p14="http://schemas.microsoft.com/office/powerpoint/2010/main" val="294512541"/>
+      </p:ext>
+    </p:extLst>
+  </p:cSld>
+  <p:clrMapOvr>
+    <a:masterClrMapping/>
+  </p:clrMapOvr>
+</p:sld>
+</file>
+
+<file path=ppt/slides/slide15.xml><?xml version="1.0" encoding="utf-8"?>
+<p:sld xmlns:a="http://schemas.openxmlformats.org/drawingml/2006/main" xmlns:r="http://schemas.openxmlformats.org/officeDocument/2006/relationships" xmlns:p="http://schemas.openxmlformats.org/presentationml/2006/main">
+  <p:cSld>
+    <p:spTree>
+      <p:nvGrpSpPr>
+        <p:cNvPr id="1" name=""/>
+        <p:cNvGrpSpPr/>
+        <p:nvPr/>
+      </p:nvGrpSpPr>
+      <p:grpSpPr>
+        <a:xfrm>
+          <a:off x="0" y="0"/>
+          <a:ext cx="0" cy="0"/>
+          <a:chOff x="0" y="0"/>
+          <a:chExt cx="0" cy="0"/>
+        </a:xfrm>
+      </p:grpSpPr>
+      <p:sp>
+        <p:nvSpPr>
+          <p:cNvPr id="2" name="Title 1">
+            <a:extLst>
+              <a:ext uri="{FF2B5EF4-FFF2-40B4-BE49-F238E27FC236}">
                 <a16:creationId xmlns:a16="http://schemas.microsoft.com/office/drawing/2014/main" id="{B261AA06-411E-564C-AA53-1380C1D0F083}"/>
               </a:ext>
             </a:extLst>
@@ -4688,7 +5004,7 @@
         </p:nvSpPr>
         <p:spPr/>
         <p:txBody>
-          <a:bodyPr/>
+          <a:bodyPr anchor="ctr"/>
           <a:lstStyle/>
           <a:p>
             <a:r>
@@ -4720,6 +5036,98 @@
     <p:extLst>
       <p:ext uri="{BB962C8B-B14F-4D97-AF65-F5344CB8AC3E}">
         <p14:creationId xmlns:p14="http://schemas.microsoft.com/office/powerpoint/2010/main" val="279266689"/>
+      </p:ext>
+    </p:extLst>
+  </p:cSld>
+  <p:clrMapOvr>
+    <a:masterClrMapping/>
+  </p:clrMapOvr>
+</p:sld>
+</file>
+
+<file path=ppt/slides/slide16.xml><?xml version="1.0" encoding="utf-8"?>
+<p:sld xmlns:a="http://schemas.openxmlformats.org/drawingml/2006/main" xmlns:r="http://schemas.openxmlformats.org/officeDocument/2006/relationships" xmlns:p="http://schemas.openxmlformats.org/presentationml/2006/main">
+  <p:cSld>
+    <p:spTree>
+      <p:nvGrpSpPr>
+        <p:cNvPr id="1" name=""/>
+        <p:cNvGrpSpPr/>
+        <p:nvPr/>
+      </p:nvGrpSpPr>
+      <p:grpSpPr>
+        <a:xfrm>
+          <a:off x="0" y="0"/>
+          <a:ext cx="0" cy="0"/>
+          <a:chOff x="0" y="0"/>
+          <a:chExt cx="0" cy="0"/>
+        </a:xfrm>
+      </p:grpSpPr>
+      <p:sp>
+        <p:nvSpPr>
+          <p:cNvPr id="2" name="Title 1">
+            <a:extLst>
+              <a:ext uri="{FF2B5EF4-FFF2-40B4-BE49-F238E27FC236}">
+                <a16:creationId xmlns:a16="http://schemas.microsoft.com/office/drawing/2014/main" id="{0CDFE920-C331-D840-A8FC-DD0C15EA6B5F}"/>
+              </a:ext>
+            </a:extLst>
+          </p:cNvPr>
+          <p:cNvSpPr>
+            <a:spLocks noGrp="1"/>
+          </p:cNvSpPr>
+          <p:nvPr>
+            <p:ph type="title"/>
+          </p:nvPr>
+        </p:nvSpPr>
+        <p:spPr/>
+        <p:txBody>
+          <a:bodyPr/>
+          <a:lstStyle/>
+          <a:p>
+            <a:r>
+              <a:rPr lang="en-US" dirty="0"/>
+              <a:t>Thanks!</a:t>
+            </a:r>
+          </a:p>
+        </p:txBody>
+      </p:sp>
+      <p:sp>
+        <p:nvSpPr>
+          <p:cNvPr id="3" name="Content Placeholder 2">
+            <a:extLst>
+              <a:ext uri="{FF2B5EF4-FFF2-40B4-BE49-F238E27FC236}">
+                <a16:creationId xmlns:a16="http://schemas.microsoft.com/office/drawing/2014/main" id="{370F532E-8A02-F04A-B3A7-C2E4B2356676}"/>
+              </a:ext>
+            </a:extLst>
+          </p:cNvPr>
+          <p:cNvSpPr>
+            <a:spLocks noGrp="1"/>
+          </p:cNvSpPr>
+          <p:nvPr>
+            <p:ph idx="1"/>
+          </p:nvPr>
+        </p:nvSpPr>
+        <p:spPr/>
+        <p:txBody>
+          <a:bodyPr anchor="ctr"/>
+          <a:lstStyle/>
+          <a:p>
+            <a:r>
+              <a:rPr lang="en-US" dirty="0"/>
+              <a:t>More questions / follow up?</a:t>
+            </a:r>
+          </a:p>
+          <a:p>
+            <a:r>
+              <a:rPr lang="en-US" dirty="0"/>
+              <a:t>dsl@brocku.ca</a:t>
+            </a:r>
+          </a:p>
+        </p:txBody>
+      </p:sp>
+    </p:spTree>
+    <p:extLst>
+      <p:ext uri="{BB962C8B-B14F-4D97-AF65-F5344CB8AC3E}">
+        <p14:creationId xmlns:p14="http://schemas.microsoft.com/office/powerpoint/2010/main" val="1033848956"/>
       </p:ext>
     </p:extLst>
   </p:cSld>
@@ -5297,7 +5705,7 @@
         </p:nvSpPr>
         <p:spPr/>
         <p:txBody>
-          <a:bodyPr/>
+          <a:bodyPr anchor="ctr"/>
           <a:lstStyle/>
           <a:p>
             <a:r>
@@ -5372,7 +5780,7 @@
           <p:cNvPr id="2" name="Title 1">
             <a:extLst>
               <a:ext uri="{FF2B5EF4-FFF2-40B4-BE49-F238E27FC236}">
-                <a16:creationId xmlns:a16="http://schemas.microsoft.com/office/drawing/2014/main" id="{55B23197-2E69-3344-AB53-F20F7EE34E3F}"/>
+                <a16:creationId xmlns:a16="http://schemas.microsoft.com/office/drawing/2014/main" id="{76ADD89C-19E4-1843-A346-7F24E1930594}"/>
               </a:ext>
             </a:extLst>
           </p:cNvPr>
@@ -5390,8 +5798,13 @@
           <a:p>
             <a:r>
               <a:rPr lang="en-US" dirty="0"/>
-              <a:t>The scenario. P1</a:t>
-            </a:r>
+              <a:t>Onto </a:t>
+            </a:r>
+            <a:r>
+              <a:rPr lang="en-US" dirty="0" err="1"/>
+              <a:t>Github</a:t>
+            </a:r>
+            <a:endParaRPr lang="en-US" dirty="0"/>
           </a:p>
         </p:txBody>
       </p:sp>
@@ -5400,7 +5813,7 @@
           <p:cNvPr id="3" name="Content Placeholder 2">
             <a:extLst>
               <a:ext uri="{FF2B5EF4-FFF2-40B4-BE49-F238E27FC236}">
-                <a16:creationId xmlns:a16="http://schemas.microsoft.com/office/drawing/2014/main" id="{2000A714-3FCF-5243-A03C-DFACB3705D5C}"/>
+                <a16:creationId xmlns:a16="http://schemas.microsoft.com/office/drawing/2014/main" id="{45360727-1DC0-C346-8615-36159738572F}"/>
               </a:ext>
             </a:extLst>
           </p:cNvPr>
@@ -5418,33 +5831,7 @@
           <a:p>
             <a:r>
               <a:rPr lang="en-US" dirty="0"/>
-              <a:t>You are a researcher who has put together 2 things:</a:t>
-            </a:r>
-          </a:p>
-          <a:p>
-            <a:pPr lvl="1"/>
-            <a:r>
-              <a:rPr lang="en-US" dirty="0"/>
-              <a:t>A bit of code that does some analysis</a:t>
-            </a:r>
-          </a:p>
-          <a:p>
-            <a:pPr lvl="1"/>
-            <a:r>
-              <a:rPr lang="en-US" dirty="0"/>
-              <a:t>A dataset</a:t>
-            </a:r>
-          </a:p>
-          <a:p>
-            <a:pPr marL="457200" lvl="1" indent="0">
-              <a:buNone/>
-            </a:pPr>
-            <a:endParaRPr lang="en-US" dirty="0"/>
-          </a:p>
-          <a:p>
-            <a:r>
-              <a:rPr lang="en-US" dirty="0"/>
-              <a:t>You’d like to put this online and get feedback from your colleagues, establish connections around this </a:t>
+              <a:t>Please login to the site!</a:t>
             </a:r>
           </a:p>
         </p:txBody>
@@ -5452,7 +5839,7 @@
     </p:spTree>
     <p:extLst>
       <p:ext uri="{BB962C8B-B14F-4D97-AF65-F5344CB8AC3E}">
-        <p14:creationId xmlns:p14="http://schemas.microsoft.com/office/powerpoint/2010/main" val="416151956"/>
+        <p14:creationId xmlns:p14="http://schemas.microsoft.com/office/powerpoint/2010/main" val="152337890"/>
       </p:ext>
     </p:extLst>
   </p:cSld>
@@ -5484,7 +5871,7 @@
           <p:cNvPr id="2" name="Title 1">
             <a:extLst>
               <a:ext uri="{FF2B5EF4-FFF2-40B4-BE49-F238E27FC236}">
-                <a16:creationId xmlns:a16="http://schemas.microsoft.com/office/drawing/2014/main" id="{04770B46-3308-2F42-9B8A-298F20D923FE}"/>
+                <a16:creationId xmlns:a16="http://schemas.microsoft.com/office/drawing/2014/main" id="{271D77C0-36FD-C44F-8B06-4FFFCF1214D0}"/>
               </a:ext>
             </a:extLst>
           </p:cNvPr>
@@ -5500,10 +5887,7 @@
           <a:bodyPr/>
           <a:lstStyle/>
           <a:p>
-            <a:r>
-              <a:rPr lang="en-US" dirty="0"/>
-              <a:t>The Scenario P2.</a:t>
-            </a:r>
+            <a:endParaRPr lang="en-US"/>
           </a:p>
         </p:txBody>
       </p:sp>
@@ -5512,7 +5896,7 @@
           <p:cNvPr id="3" name="Content Placeholder 2">
             <a:extLst>
               <a:ext uri="{FF2B5EF4-FFF2-40B4-BE49-F238E27FC236}">
-                <a16:creationId xmlns:a16="http://schemas.microsoft.com/office/drawing/2014/main" id="{0C5170C0-894B-7547-A43F-EC686E1D88EB}"/>
+                <a16:creationId xmlns:a16="http://schemas.microsoft.com/office/drawing/2014/main" id="{7BA91D65-20D1-1B4A-B0C7-B41A93EDB7A8}"/>
               </a:ext>
             </a:extLst>
           </p:cNvPr>
@@ -5528,29 +5912,44 @@
           <a:bodyPr/>
           <a:lstStyle/>
           <a:p>
-            <a:r>
-              <a:rPr lang="en-US" dirty="0"/>
-              <a:t>A collaborator has added some changes to your code!</a:t>
-            </a:r>
-          </a:p>
-          <a:p>
-            <a:r>
-              <a:rPr lang="en-US" dirty="0"/>
-              <a:t>Let’s load up those changes</a:t>
-            </a:r>
-          </a:p>
-          <a:p>
-            <a:pPr marL="0" indent="0">
-              <a:buNone/>
-            </a:pPr>
-            <a:endParaRPr lang="en-US" dirty="0"/>
-          </a:p>
-        </p:txBody>
-      </p:sp>
+            <a:endParaRPr lang="en-US"/>
+          </a:p>
+        </p:txBody>
+      </p:sp>
+      <p:pic>
+        <p:nvPicPr>
+          <p:cNvPr id="4" name="Picture 3" descr="Graphical user interface&#10;&#10;Description automatically generated">
+            <a:extLst>
+              <a:ext uri="{FF2B5EF4-FFF2-40B4-BE49-F238E27FC236}">
+                <a16:creationId xmlns:a16="http://schemas.microsoft.com/office/drawing/2014/main" id="{AED24E12-A654-FE45-9935-3B61C76F9362}"/>
+              </a:ext>
+            </a:extLst>
+          </p:cNvPr>
+          <p:cNvPicPr>
+            <a:picLocks noChangeAspect="1"/>
+          </p:cNvPicPr>
+          <p:nvPr/>
+        </p:nvPicPr>
+        <p:blipFill>
+          <a:blip r:embed="rId3"/>
+          <a:stretch>
+            <a:fillRect/>
+          </a:stretch>
+        </p:blipFill>
+        <p:spPr>
+          <a:xfrm>
+            <a:off x="493815" y="209562"/>
+            <a:ext cx="11204370" cy="6438875"/>
+          </a:xfrm>
+          <a:prstGeom prst="rect">
+            <a:avLst/>
+          </a:prstGeom>
+        </p:spPr>
+      </p:pic>
     </p:spTree>
     <p:extLst>
       <p:ext uri="{BB962C8B-B14F-4D97-AF65-F5344CB8AC3E}">
-        <p14:creationId xmlns:p14="http://schemas.microsoft.com/office/powerpoint/2010/main" val="292596523"/>
+        <p14:creationId xmlns:p14="http://schemas.microsoft.com/office/powerpoint/2010/main" val="2119659261"/>
       </p:ext>
     </p:extLst>
   </p:cSld>

--- a/Overview.pptx
+++ b/Overview.pptx
@@ -212,7 +212,7 @@
           <a:p>
             <a:fld id="{F6008430-4437-B140-9146-15DEA0EE57B9}" type="datetimeFigureOut">
               <a:rPr lang="en-US" smtClean="0"/>
-              <a:t>2/10/21</a:t>
+              <a:t>2/11/21</a:t>
             </a:fld>
             <a:endParaRPr lang="en-US"/>
           </a:p>
@@ -1263,7 +1263,7 @@
           <a:p>
             <a:fld id="{88AEC091-92A8-3744-B3FE-448EBFE3AE7F}" type="datetimeFigureOut">
               <a:rPr lang="en-US" smtClean="0"/>
-              <a:t>2/10/21</a:t>
+              <a:t>2/11/21</a:t>
             </a:fld>
             <a:endParaRPr lang="en-US"/>
           </a:p>
@@ -1461,7 +1461,7 @@
           <a:p>
             <a:fld id="{88AEC091-92A8-3744-B3FE-448EBFE3AE7F}" type="datetimeFigureOut">
               <a:rPr lang="en-US" smtClean="0"/>
-              <a:t>2/10/21</a:t>
+              <a:t>2/11/21</a:t>
             </a:fld>
             <a:endParaRPr lang="en-US"/>
           </a:p>
@@ -1669,7 +1669,7 @@
           <a:p>
             <a:fld id="{88AEC091-92A8-3744-B3FE-448EBFE3AE7F}" type="datetimeFigureOut">
               <a:rPr lang="en-US" smtClean="0"/>
-              <a:t>2/10/21</a:t>
+              <a:t>2/11/21</a:t>
             </a:fld>
             <a:endParaRPr lang="en-US"/>
           </a:p>
@@ -1867,7 +1867,7 @@
           <a:p>
             <a:fld id="{88AEC091-92A8-3744-B3FE-448EBFE3AE7F}" type="datetimeFigureOut">
               <a:rPr lang="en-US" smtClean="0"/>
-              <a:t>2/10/21</a:t>
+              <a:t>2/11/21</a:t>
             </a:fld>
             <a:endParaRPr lang="en-US"/>
           </a:p>
@@ -2142,7 +2142,7 @@
           <a:p>
             <a:fld id="{88AEC091-92A8-3744-B3FE-448EBFE3AE7F}" type="datetimeFigureOut">
               <a:rPr lang="en-US" smtClean="0"/>
-              <a:t>2/10/21</a:t>
+              <a:t>2/11/21</a:t>
             </a:fld>
             <a:endParaRPr lang="en-US"/>
           </a:p>
@@ -2407,7 +2407,7 @@
           <a:p>
             <a:fld id="{88AEC091-92A8-3744-B3FE-448EBFE3AE7F}" type="datetimeFigureOut">
               <a:rPr lang="en-US" smtClean="0"/>
-              <a:t>2/10/21</a:t>
+              <a:t>2/11/21</a:t>
             </a:fld>
             <a:endParaRPr lang="en-US"/>
           </a:p>
@@ -2819,7 +2819,7 @@
           <a:p>
             <a:fld id="{88AEC091-92A8-3744-B3FE-448EBFE3AE7F}" type="datetimeFigureOut">
               <a:rPr lang="en-US" smtClean="0"/>
-              <a:t>2/10/21</a:t>
+              <a:t>2/11/21</a:t>
             </a:fld>
             <a:endParaRPr lang="en-US"/>
           </a:p>
@@ -2960,7 +2960,7 @@
           <a:p>
             <a:fld id="{88AEC091-92A8-3744-B3FE-448EBFE3AE7F}" type="datetimeFigureOut">
               <a:rPr lang="en-US" smtClean="0"/>
-              <a:t>2/10/21</a:t>
+              <a:t>2/11/21</a:t>
             </a:fld>
             <a:endParaRPr lang="en-US"/>
           </a:p>
@@ -3073,7 +3073,7 @@
           <a:p>
             <a:fld id="{88AEC091-92A8-3744-B3FE-448EBFE3AE7F}" type="datetimeFigureOut">
               <a:rPr lang="en-US" smtClean="0"/>
-              <a:t>2/10/21</a:t>
+              <a:t>2/11/21</a:t>
             </a:fld>
             <a:endParaRPr lang="en-US"/>
           </a:p>
@@ -3384,7 +3384,7 @@
           <a:p>
             <a:fld id="{88AEC091-92A8-3744-B3FE-448EBFE3AE7F}" type="datetimeFigureOut">
               <a:rPr lang="en-US" smtClean="0"/>
-              <a:t>2/10/21</a:t>
+              <a:t>2/11/21</a:t>
             </a:fld>
             <a:endParaRPr lang="en-US"/>
           </a:p>
@@ -3672,7 +3672,7 @@
           <a:p>
             <a:fld id="{88AEC091-92A8-3744-B3FE-448EBFE3AE7F}" type="datetimeFigureOut">
               <a:rPr lang="en-US" smtClean="0"/>
-              <a:t>2/10/21</a:t>
+              <a:t>2/11/21</a:t>
             </a:fld>
             <a:endParaRPr lang="en-US"/>
           </a:p>
@@ -3913,7 +3913,7 @@
           <a:p>
             <a:fld id="{88AEC091-92A8-3744-B3FE-448EBFE3AE7F}" type="datetimeFigureOut">
               <a:rPr lang="en-US" smtClean="0"/>
-              <a:t>2/10/21</a:t>
+              <a:t>2/11/21</a:t>
             </a:fld>
             <a:endParaRPr lang="en-US"/>
           </a:p>

--- a/Overview.pptx
+++ b/Overview.pptx
@@ -5,7 +5,7 @@
     <p:sldMasterId id="2147483648" r:id="rId1"/>
   </p:sldMasterIdLst>
   <p:notesMasterIdLst>
-    <p:notesMasterId r:id="rId18"/>
+    <p:notesMasterId r:id="rId19"/>
   </p:notesMasterIdLst>
   <p:sldIdLst>
     <p:sldId id="256" r:id="rId2"/>
@@ -22,8 +22,9 @@
     <p:sldId id="272" r:id="rId13"/>
     <p:sldId id="265" r:id="rId14"/>
     <p:sldId id="271" r:id="rId15"/>
-    <p:sldId id="267" r:id="rId16"/>
-    <p:sldId id="275" r:id="rId17"/>
+    <p:sldId id="276" r:id="rId16"/>
+    <p:sldId id="267" r:id="rId17"/>
+    <p:sldId id="275" r:id="rId18"/>
   </p:sldIdLst>
   <p:sldSz cx="12192000" cy="6858000"/>
   <p:notesSz cx="6858000" cy="9144000"/>
@@ -212,7 +213,7 @@
           <a:p>
             <a:fld id="{F6008430-4437-B140-9146-15DEA0EE57B9}" type="datetimeFigureOut">
               <a:rPr lang="en-US" smtClean="0"/>
-              <a:t>2/11/21</a:t>
+              <a:t>6/7/21</a:t>
             </a:fld>
             <a:endParaRPr lang="en-US"/>
           </a:p>
@@ -1116,6 +1117,117 @@
 </p:notes>
 </file>
 
+<file path=ppt/notesSlides/notesSlide7.xml><?xml version="1.0" encoding="utf-8"?>
+<p:notes xmlns:a="http://schemas.openxmlformats.org/drawingml/2006/main" xmlns:r="http://schemas.openxmlformats.org/officeDocument/2006/relationships" xmlns:p="http://schemas.openxmlformats.org/presentationml/2006/main">
+  <p:cSld>
+    <p:spTree>
+      <p:nvGrpSpPr>
+        <p:cNvPr id="1" name=""/>
+        <p:cNvGrpSpPr/>
+        <p:nvPr/>
+      </p:nvGrpSpPr>
+      <p:grpSpPr>
+        <a:xfrm>
+          <a:off x="0" y="0"/>
+          <a:ext cx="0" cy="0"/>
+          <a:chOff x="0" y="0"/>
+          <a:chExt cx="0" cy="0"/>
+        </a:xfrm>
+      </p:grpSpPr>
+      <p:sp>
+        <p:nvSpPr>
+          <p:cNvPr id="2" name="Slide Image Placeholder 1"/>
+          <p:cNvSpPr>
+            <a:spLocks noGrp="1" noRot="1" noChangeAspect="1"/>
+          </p:cNvSpPr>
+          <p:nvPr>
+            <p:ph type="sldImg"/>
+          </p:nvPr>
+        </p:nvSpPr>
+        <p:spPr/>
+      </p:sp>
+      <p:sp>
+        <p:nvSpPr>
+          <p:cNvPr id="3" name="Notes Placeholder 2"/>
+          <p:cNvSpPr>
+            <a:spLocks noGrp="1"/>
+          </p:cNvSpPr>
+          <p:nvPr>
+            <p:ph type="body" idx="1"/>
+          </p:nvPr>
+        </p:nvSpPr>
+        <p:spPr/>
+        <p:txBody>
+          <a:bodyPr/>
+          <a:lstStyle/>
+          <a:p>
+            <a:r>
+              <a:rPr lang="en-US" dirty="0"/>
+              <a:t>https://</a:t>
+            </a:r>
+            <a:r>
+              <a:rPr lang="en-US" dirty="0" err="1"/>
+              <a:t>raw.githubusercontent.com</a:t>
+            </a:r>
+            <a:r>
+              <a:rPr lang="en-US" dirty="0"/>
+              <a:t>/</a:t>
+            </a:r>
+            <a:r>
+              <a:rPr lang="en-US" dirty="0" err="1"/>
+              <a:t>BrockDSL</a:t>
+            </a:r>
+            <a:r>
+              <a:rPr lang="en-US" dirty="0"/>
+              <a:t>/</a:t>
+            </a:r>
+            <a:r>
+              <a:rPr lang="en-US" dirty="0" err="1"/>
+              <a:t>github_for_researchers</a:t>
+            </a:r>
+            <a:r>
+              <a:rPr lang="en-US" dirty="0"/>
+              <a:t>/master/p5.pdf</a:t>
+            </a:r>
+          </a:p>
+        </p:txBody>
+      </p:sp>
+      <p:sp>
+        <p:nvSpPr>
+          <p:cNvPr id="4" name="Slide Number Placeholder 3"/>
+          <p:cNvSpPr>
+            <a:spLocks noGrp="1"/>
+          </p:cNvSpPr>
+          <p:nvPr>
+            <p:ph type="sldNum" sz="quarter" idx="5"/>
+          </p:nvPr>
+        </p:nvSpPr>
+        <p:spPr/>
+        <p:txBody>
+          <a:bodyPr/>
+          <a:lstStyle/>
+          <a:p>
+            <a:fld id="{F1DC61E3-FF50-854B-B90B-0603FB757FB1}" type="slidenum">
+              <a:rPr lang="en-US" smtClean="0"/>
+              <a:t>15</a:t>
+            </a:fld>
+            <a:endParaRPr lang="en-US"/>
+          </a:p>
+        </p:txBody>
+      </p:sp>
+    </p:spTree>
+    <p:extLst>
+      <p:ext uri="{BB962C8B-B14F-4D97-AF65-F5344CB8AC3E}">
+        <p14:creationId xmlns:p14="http://schemas.microsoft.com/office/powerpoint/2010/main" val="281985760"/>
+      </p:ext>
+    </p:extLst>
+  </p:cSld>
+  <p:clrMapOvr>
+    <a:masterClrMapping/>
+  </p:clrMapOvr>
+</p:notes>
+</file>
+
 <file path=ppt/slideLayouts/slideLayout1.xml><?xml version="1.0" encoding="utf-8"?>
 <p:sldLayout xmlns:a="http://schemas.openxmlformats.org/drawingml/2006/main" xmlns:r="http://schemas.openxmlformats.org/officeDocument/2006/relationships" xmlns:p="http://schemas.openxmlformats.org/presentationml/2006/main" type="title" preserve="1">
   <p:cSld name="Title Slide">
@@ -1263,7 +1375,7 @@
           <a:p>
             <a:fld id="{88AEC091-92A8-3744-B3FE-448EBFE3AE7F}" type="datetimeFigureOut">
               <a:rPr lang="en-US" smtClean="0"/>
-              <a:t>2/11/21</a:t>
+              <a:t>6/7/21</a:t>
             </a:fld>
             <a:endParaRPr lang="en-US"/>
           </a:p>
@@ -1461,7 +1573,7 @@
           <a:p>
             <a:fld id="{88AEC091-92A8-3744-B3FE-448EBFE3AE7F}" type="datetimeFigureOut">
               <a:rPr lang="en-US" smtClean="0"/>
-              <a:t>2/11/21</a:t>
+              <a:t>6/7/21</a:t>
             </a:fld>
             <a:endParaRPr lang="en-US"/>
           </a:p>
@@ -1669,7 +1781,7 @@
           <a:p>
             <a:fld id="{88AEC091-92A8-3744-B3FE-448EBFE3AE7F}" type="datetimeFigureOut">
               <a:rPr lang="en-US" smtClean="0"/>
-              <a:t>2/11/21</a:t>
+              <a:t>6/7/21</a:t>
             </a:fld>
             <a:endParaRPr lang="en-US"/>
           </a:p>
@@ -1867,7 +1979,7 @@
           <a:p>
             <a:fld id="{88AEC091-92A8-3744-B3FE-448EBFE3AE7F}" type="datetimeFigureOut">
               <a:rPr lang="en-US" smtClean="0"/>
-              <a:t>2/11/21</a:t>
+              <a:t>6/7/21</a:t>
             </a:fld>
             <a:endParaRPr lang="en-US"/>
           </a:p>
@@ -2142,7 +2254,7 @@
           <a:p>
             <a:fld id="{88AEC091-92A8-3744-B3FE-448EBFE3AE7F}" type="datetimeFigureOut">
               <a:rPr lang="en-US" smtClean="0"/>
-              <a:t>2/11/21</a:t>
+              <a:t>6/7/21</a:t>
             </a:fld>
             <a:endParaRPr lang="en-US"/>
           </a:p>
@@ -2407,7 +2519,7 @@
           <a:p>
             <a:fld id="{88AEC091-92A8-3744-B3FE-448EBFE3AE7F}" type="datetimeFigureOut">
               <a:rPr lang="en-US" smtClean="0"/>
-              <a:t>2/11/21</a:t>
+              <a:t>6/7/21</a:t>
             </a:fld>
             <a:endParaRPr lang="en-US"/>
           </a:p>
@@ -2819,7 +2931,7 @@
           <a:p>
             <a:fld id="{88AEC091-92A8-3744-B3FE-448EBFE3AE7F}" type="datetimeFigureOut">
               <a:rPr lang="en-US" smtClean="0"/>
-              <a:t>2/11/21</a:t>
+              <a:t>6/7/21</a:t>
             </a:fld>
             <a:endParaRPr lang="en-US"/>
           </a:p>
@@ -2960,7 +3072,7 @@
           <a:p>
             <a:fld id="{88AEC091-92A8-3744-B3FE-448EBFE3AE7F}" type="datetimeFigureOut">
               <a:rPr lang="en-US" smtClean="0"/>
-              <a:t>2/11/21</a:t>
+              <a:t>6/7/21</a:t>
             </a:fld>
             <a:endParaRPr lang="en-US"/>
           </a:p>
@@ -3073,7 +3185,7 @@
           <a:p>
             <a:fld id="{88AEC091-92A8-3744-B3FE-448EBFE3AE7F}" type="datetimeFigureOut">
               <a:rPr lang="en-US" smtClean="0"/>
-              <a:t>2/11/21</a:t>
+              <a:t>6/7/21</a:t>
             </a:fld>
             <a:endParaRPr lang="en-US"/>
           </a:p>
@@ -3384,7 +3496,7 @@
           <a:p>
             <a:fld id="{88AEC091-92A8-3744-B3FE-448EBFE3AE7F}" type="datetimeFigureOut">
               <a:rPr lang="en-US" smtClean="0"/>
-              <a:t>2/11/21</a:t>
+              <a:t>6/7/21</a:t>
             </a:fld>
             <a:endParaRPr lang="en-US"/>
           </a:p>
@@ -3672,7 +3784,7 @@
           <a:p>
             <a:fld id="{88AEC091-92A8-3744-B3FE-448EBFE3AE7F}" type="datetimeFigureOut">
               <a:rPr lang="en-US" smtClean="0"/>
-              <a:t>2/11/21</a:t>
+              <a:t>6/7/21</a:t>
             </a:fld>
             <a:endParaRPr lang="en-US"/>
           </a:p>
@@ -3913,7 +4025,7 @@
           <a:p>
             <a:fld id="{88AEC091-92A8-3744-B3FE-448EBFE3AE7F}" type="datetimeFigureOut">
               <a:rPr lang="en-US" smtClean="0"/>
-              <a:t>2/11/21</a:t>
+              <a:t>6/7/21</a:t>
             </a:fld>
             <a:endParaRPr lang="en-US"/>
           </a:p>
@@ -4470,7 +4582,7 @@
           <a:p>
             <a:r>
               <a:rPr lang="en-US" dirty="0"/>
-              <a:t>The scenario. P1</a:t>
+              <a:t>The Scenario P1.</a:t>
             </a:r>
           </a:p>
         </p:txBody>
@@ -4809,7 +4921,7 @@
           <a:p>
             <a:r>
               <a:rPr lang="en-US" dirty="0"/>
-              <a:t>Scenario P.3</a:t>
+              <a:t>The Scenario P.3</a:t>
             </a:r>
           </a:p>
         </p:txBody>
@@ -4895,7 +5007,7 @@
           <a:p>
             <a:r>
               <a:rPr lang="en-US" dirty="0"/>
-              <a:t>Scenario P.4</a:t>
+              <a:t>The Scenario P.4</a:t>
             </a:r>
           </a:p>
         </p:txBody>
@@ -4963,6 +5075,92 @@
           <p:cNvPr id="2" name="Title 1">
             <a:extLst>
               <a:ext uri="{FF2B5EF4-FFF2-40B4-BE49-F238E27FC236}">
+                <a16:creationId xmlns:a16="http://schemas.microsoft.com/office/drawing/2014/main" id="{8A5F5D97-8AE6-7B40-9C7E-103214E34641}"/>
+              </a:ext>
+            </a:extLst>
+          </p:cNvPr>
+          <p:cNvSpPr>
+            <a:spLocks noGrp="1"/>
+          </p:cNvSpPr>
+          <p:nvPr>
+            <p:ph type="title"/>
+          </p:nvPr>
+        </p:nvSpPr>
+        <p:spPr/>
+        <p:txBody>
+          <a:bodyPr/>
+          <a:lstStyle/>
+          <a:p>
+            <a:r>
+              <a:rPr lang="en-US" dirty="0"/>
+              <a:t>The Scenario P.5</a:t>
+            </a:r>
+          </a:p>
+        </p:txBody>
+      </p:sp>
+      <p:sp>
+        <p:nvSpPr>
+          <p:cNvPr id="3" name="Content Placeholder 2">
+            <a:extLst>
+              <a:ext uri="{FF2B5EF4-FFF2-40B4-BE49-F238E27FC236}">
+                <a16:creationId xmlns:a16="http://schemas.microsoft.com/office/drawing/2014/main" id="{21176984-CB54-E542-82ED-D206A5B3D49A}"/>
+              </a:ext>
+            </a:extLst>
+          </p:cNvPr>
+          <p:cNvSpPr>
+            <a:spLocks noGrp="1"/>
+          </p:cNvSpPr>
+          <p:nvPr>
+            <p:ph idx="1"/>
+          </p:nvPr>
+        </p:nvSpPr>
+        <p:spPr/>
+        <p:txBody>
+          <a:bodyPr anchor="ctr"/>
+          <a:lstStyle/>
+          <a:p>
+            <a:r>
+              <a:rPr lang="en-US" dirty="0"/>
+              <a:t>Our lab is going to ‘fork’ a successful project to make it our own.</a:t>
+            </a:r>
+          </a:p>
+        </p:txBody>
+      </p:sp>
+    </p:spTree>
+    <p:extLst>
+      <p:ext uri="{BB962C8B-B14F-4D97-AF65-F5344CB8AC3E}">
+        <p14:creationId xmlns:p14="http://schemas.microsoft.com/office/powerpoint/2010/main" val="3367744546"/>
+      </p:ext>
+    </p:extLst>
+  </p:cSld>
+  <p:clrMapOvr>
+    <a:masterClrMapping/>
+  </p:clrMapOvr>
+</p:sld>
+</file>
+
+<file path=ppt/slides/slide16.xml><?xml version="1.0" encoding="utf-8"?>
+<p:sld xmlns:a="http://schemas.openxmlformats.org/drawingml/2006/main" xmlns:r="http://schemas.openxmlformats.org/officeDocument/2006/relationships" xmlns:p="http://schemas.openxmlformats.org/presentationml/2006/main">
+  <p:cSld>
+    <p:spTree>
+      <p:nvGrpSpPr>
+        <p:cNvPr id="1" name=""/>
+        <p:cNvGrpSpPr/>
+        <p:nvPr/>
+      </p:nvGrpSpPr>
+      <p:grpSpPr>
+        <a:xfrm>
+          <a:off x="0" y="0"/>
+          <a:ext cx="0" cy="0"/>
+          <a:chOff x="0" y="0"/>
+          <a:chExt cx="0" cy="0"/>
+        </a:xfrm>
+      </p:grpSpPr>
+      <p:sp>
+        <p:nvSpPr>
+          <p:cNvPr id="2" name="Title 1">
+            <a:extLst>
+              <a:ext uri="{FF2B5EF4-FFF2-40B4-BE49-F238E27FC236}">
                 <a16:creationId xmlns:a16="http://schemas.microsoft.com/office/drawing/2014/main" id="{B261AA06-411E-564C-AA53-1380C1D0F083}"/>
               </a:ext>
             </a:extLst>
@@ -5045,7 +5243,7 @@
 </p:sld>
 </file>
 
-<file path=ppt/slides/slide16.xml><?xml version="1.0" encoding="utf-8"?>
+<file path=ppt/slides/slide17.xml><?xml version="1.0" encoding="utf-8"?>
 <p:sld xmlns:a="http://schemas.openxmlformats.org/drawingml/2006/main" xmlns:r="http://schemas.openxmlformats.org/officeDocument/2006/relationships" xmlns:p="http://schemas.openxmlformats.org/presentationml/2006/main">
   <p:cSld>
     <p:spTree>
@@ -5604,6 +5802,12 @@
             </a:r>
           </a:p>
           <a:p>
+            <a:r>
+              <a:rPr lang="en-US" dirty="0"/>
+              <a:t>Basic forking</a:t>
+            </a:r>
+          </a:p>
+          <a:p>
             <a:endParaRPr lang="en-US" dirty="0"/>
           </a:p>
           <a:p>
@@ -5717,12 +5921,6 @@
             <a:r>
               <a:rPr lang="en-US" dirty="0"/>
               <a:t>Conflict resolution</a:t>
-            </a:r>
-          </a:p>
-          <a:p>
-            <a:r>
-              <a:rPr lang="en-US" dirty="0"/>
-              <a:t>Forking</a:t>
             </a:r>
           </a:p>
           <a:p>

--- a/Overview.pptx
+++ b/Overview.pptx
@@ -213,7 +213,7 @@
           <a:p>
             <a:fld id="{F6008430-4437-B140-9146-15DEA0EE57B9}" type="datetimeFigureOut">
               <a:rPr lang="en-US" smtClean="0"/>
-              <a:t>6/7/21</a:t>
+              <a:t>6/10/21</a:t>
             </a:fld>
             <a:endParaRPr lang="en-US"/>
           </a:p>
@@ -1375,7 +1375,7 @@
           <a:p>
             <a:fld id="{88AEC091-92A8-3744-B3FE-448EBFE3AE7F}" type="datetimeFigureOut">
               <a:rPr lang="en-US" smtClean="0"/>
-              <a:t>6/7/21</a:t>
+              <a:t>6/10/21</a:t>
             </a:fld>
             <a:endParaRPr lang="en-US"/>
           </a:p>
@@ -1573,7 +1573,7 @@
           <a:p>
             <a:fld id="{88AEC091-92A8-3744-B3FE-448EBFE3AE7F}" type="datetimeFigureOut">
               <a:rPr lang="en-US" smtClean="0"/>
-              <a:t>6/7/21</a:t>
+              <a:t>6/10/21</a:t>
             </a:fld>
             <a:endParaRPr lang="en-US"/>
           </a:p>
@@ -1781,7 +1781,7 @@
           <a:p>
             <a:fld id="{88AEC091-92A8-3744-B3FE-448EBFE3AE7F}" type="datetimeFigureOut">
               <a:rPr lang="en-US" smtClean="0"/>
-              <a:t>6/7/21</a:t>
+              <a:t>6/10/21</a:t>
             </a:fld>
             <a:endParaRPr lang="en-US"/>
           </a:p>
@@ -1979,7 +1979,7 @@
           <a:p>
             <a:fld id="{88AEC091-92A8-3744-B3FE-448EBFE3AE7F}" type="datetimeFigureOut">
               <a:rPr lang="en-US" smtClean="0"/>
-              <a:t>6/7/21</a:t>
+              <a:t>6/10/21</a:t>
             </a:fld>
             <a:endParaRPr lang="en-US"/>
           </a:p>
@@ -2254,7 +2254,7 @@
           <a:p>
             <a:fld id="{88AEC091-92A8-3744-B3FE-448EBFE3AE7F}" type="datetimeFigureOut">
               <a:rPr lang="en-US" smtClean="0"/>
-              <a:t>6/7/21</a:t>
+              <a:t>6/10/21</a:t>
             </a:fld>
             <a:endParaRPr lang="en-US"/>
           </a:p>
@@ -2519,7 +2519,7 @@
           <a:p>
             <a:fld id="{88AEC091-92A8-3744-B3FE-448EBFE3AE7F}" type="datetimeFigureOut">
               <a:rPr lang="en-US" smtClean="0"/>
-              <a:t>6/7/21</a:t>
+              <a:t>6/10/21</a:t>
             </a:fld>
             <a:endParaRPr lang="en-US"/>
           </a:p>
@@ -2931,7 +2931,7 @@
           <a:p>
             <a:fld id="{88AEC091-92A8-3744-B3FE-448EBFE3AE7F}" type="datetimeFigureOut">
               <a:rPr lang="en-US" smtClean="0"/>
-              <a:t>6/7/21</a:t>
+              <a:t>6/10/21</a:t>
             </a:fld>
             <a:endParaRPr lang="en-US"/>
           </a:p>
@@ -3072,7 +3072,7 @@
           <a:p>
             <a:fld id="{88AEC091-92A8-3744-B3FE-448EBFE3AE7F}" type="datetimeFigureOut">
               <a:rPr lang="en-US" smtClean="0"/>
-              <a:t>6/7/21</a:t>
+              <a:t>6/10/21</a:t>
             </a:fld>
             <a:endParaRPr lang="en-US"/>
           </a:p>
@@ -3185,7 +3185,7 @@
           <a:p>
             <a:fld id="{88AEC091-92A8-3744-B3FE-448EBFE3AE7F}" type="datetimeFigureOut">
               <a:rPr lang="en-US" smtClean="0"/>
-              <a:t>6/7/21</a:t>
+              <a:t>6/10/21</a:t>
             </a:fld>
             <a:endParaRPr lang="en-US"/>
           </a:p>
@@ -3496,7 +3496,7 @@
           <a:p>
             <a:fld id="{88AEC091-92A8-3744-B3FE-448EBFE3AE7F}" type="datetimeFigureOut">
               <a:rPr lang="en-US" smtClean="0"/>
-              <a:t>6/7/21</a:t>
+              <a:t>6/10/21</a:t>
             </a:fld>
             <a:endParaRPr lang="en-US"/>
           </a:p>
@@ -3784,7 +3784,7 @@
           <a:p>
             <a:fld id="{88AEC091-92A8-3744-B3FE-448EBFE3AE7F}" type="datetimeFigureOut">
               <a:rPr lang="en-US" smtClean="0"/>
-              <a:t>6/7/21</a:t>
+              <a:t>6/10/21</a:t>
             </a:fld>
             <a:endParaRPr lang="en-US"/>
           </a:p>
@@ -4025,7 +4025,7 @@
           <a:p>
             <a:fld id="{88AEC091-92A8-3744-B3FE-448EBFE3AE7F}" type="datetimeFigureOut">
               <a:rPr lang="en-US" smtClean="0"/>
-              <a:t>6/7/21</a:t>
+              <a:t>6/10/21</a:t>
             </a:fld>
             <a:endParaRPr lang="en-US"/>
           </a:p>
@@ -4949,7 +4949,7 @@
           <a:p>
             <a:r>
               <a:rPr lang="en-US" dirty="0"/>
-              <a:t>You are applying for a grant and you need to make a web presence for your project so that it can be accessed by people not familiar with code</a:t>
+              <a:t>You are applying for a grant and you need to make a web presence for your project so that it can be viewed by the grant agency</a:t>
             </a:r>
           </a:p>
         </p:txBody>

--- a/Overview.pptx
+++ b/Overview.pptx
@@ -213,7 +213,7 @@
           <a:p>
             <a:fld id="{F6008430-4437-B140-9146-15DEA0EE57B9}" type="datetimeFigureOut">
               <a:rPr lang="en-US" smtClean="0"/>
-              <a:t>6/10/21</a:t>
+              <a:t>2/17/22</a:t>
             </a:fld>
             <a:endParaRPr lang="en-US"/>
           </a:p>
@@ -1375,7 +1375,7 @@
           <a:p>
             <a:fld id="{88AEC091-92A8-3744-B3FE-448EBFE3AE7F}" type="datetimeFigureOut">
               <a:rPr lang="en-US" smtClean="0"/>
-              <a:t>6/10/21</a:t>
+              <a:t>2/17/22</a:t>
             </a:fld>
             <a:endParaRPr lang="en-US"/>
           </a:p>
@@ -1573,7 +1573,7 @@
           <a:p>
             <a:fld id="{88AEC091-92A8-3744-B3FE-448EBFE3AE7F}" type="datetimeFigureOut">
               <a:rPr lang="en-US" smtClean="0"/>
-              <a:t>6/10/21</a:t>
+              <a:t>2/17/22</a:t>
             </a:fld>
             <a:endParaRPr lang="en-US"/>
           </a:p>
@@ -1781,7 +1781,7 @@
           <a:p>
             <a:fld id="{88AEC091-92A8-3744-B3FE-448EBFE3AE7F}" type="datetimeFigureOut">
               <a:rPr lang="en-US" smtClean="0"/>
-              <a:t>6/10/21</a:t>
+              <a:t>2/17/22</a:t>
             </a:fld>
             <a:endParaRPr lang="en-US"/>
           </a:p>
@@ -1979,7 +1979,7 @@
           <a:p>
             <a:fld id="{88AEC091-92A8-3744-B3FE-448EBFE3AE7F}" type="datetimeFigureOut">
               <a:rPr lang="en-US" smtClean="0"/>
-              <a:t>6/10/21</a:t>
+              <a:t>2/17/22</a:t>
             </a:fld>
             <a:endParaRPr lang="en-US"/>
           </a:p>
@@ -2254,7 +2254,7 @@
           <a:p>
             <a:fld id="{88AEC091-92A8-3744-B3FE-448EBFE3AE7F}" type="datetimeFigureOut">
               <a:rPr lang="en-US" smtClean="0"/>
-              <a:t>6/10/21</a:t>
+              <a:t>2/17/22</a:t>
             </a:fld>
             <a:endParaRPr lang="en-US"/>
           </a:p>
@@ -2519,7 +2519,7 @@
           <a:p>
             <a:fld id="{88AEC091-92A8-3744-B3FE-448EBFE3AE7F}" type="datetimeFigureOut">
               <a:rPr lang="en-US" smtClean="0"/>
-              <a:t>6/10/21</a:t>
+              <a:t>2/17/22</a:t>
             </a:fld>
             <a:endParaRPr lang="en-US"/>
           </a:p>
@@ -2931,7 +2931,7 @@
           <a:p>
             <a:fld id="{88AEC091-92A8-3744-B3FE-448EBFE3AE7F}" type="datetimeFigureOut">
               <a:rPr lang="en-US" smtClean="0"/>
-              <a:t>6/10/21</a:t>
+              <a:t>2/17/22</a:t>
             </a:fld>
             <a:endParaRPr lang="en-US"/>
           </a:p>
@@ -3072,7 +3072,7 @@
           <a:p>
             <a:fld id="{88AEC091-92A8-3744-B3FE-448EBFE3AE7F}" type="datetimeFigureOut">
               <a:rPr lang="en-US" smtClean="0"/>
-              <a:t>6/10/21</a:t>
+              <a:t>2/17/22</a:t>
             </a:fld>
             <a:endParaRPr lang="en-US"/>
           </a:p>
@@ -3185,7 +3185,7 @@
           <a:p>
             <a:fld id="{88AEC091-92A8-3744-B3FE-448EBFE3AE7F}" type="datetimeFigureOut">
               <a:rPr lang="en-US" smtClean="0"/>
-              <a:t>6/10/21</a:t>
+              <a:t>2/17/22</a:t>
             </a:fld>
             <a:endParaRPr lang="en-US"/>
           </a:p>
@@ -3496,7 +3496,7 @@
           <a:p>
             <a:fld id="{88AEC091-92A8-3744-B3FE-448EBFE3AE7F}" type="datetimeFigureOut">
               <a:rPr lang="en-US" smtClean="0"/>
-              <a:t>6/10/21</a:t>
+              <a:t>2/17/22</a:t>
             </a:fld>
             <a:endParaRPr lang="en-US"/>
           </a:p>
@@ -3784,7 +3784,7 @@
           <a:p>
             <a:fld id="{88AEC091-92A8-3744-B3FE-448EBFE3AE7F}" type="datetimeFigureOut">
               <a:rPr lang="en-US" smtClean="0"/>
-              <a:t>6/10/21</a:t>
+              <a:t>2/17/22</a:t>
             </a:fld>
             <a:endParaRPr lang="en-US"/>
           </a:p>
@@ -4025,7 +4025,7 @@
           <a:p>
             <a:fld id="{88AEC091-92A8-3744-B3FE-448EBFE3AE7F}" type="datetimeFigureOut">
               <a:rPr lang="en-US" smtClean="0"/>
-              <a:t>6/10/21</a:t>
+              <a:t>2/17/22</a:t>
             </a:fld>
             <a:endParaRPr lang="en-US"/>
           </a:p>
@@ -5121,7 +5121,15 @@
           <a:p>
             <a:r>
               <a:rPr lang="en-US" dirty="0"/>
-              <a:t>Our lab is going to ‘fork’ a successful project to make it our own.</a:t>
+              <a:t>We are going to add a </a:t>
+            </a:r>
+            <a:r>
+              <a:rPr lang="en-US" dirty="0" err="1"/>
+              <a:t>Github</a:t>
+            </a:r>
+            <a:r>
+              <a:rPr lang="en-US" dirty="0"/>
+              <a:t> action to thank collaborators</a:t>
             </a:r>
           </a:p>
         </p:txBody>
@@ -5804,11 +5812,8 @@
           <a:p>
             <a:r>
               <a:rPr lang="en-US" dirty="0"/>
-              <a:t>Basic forking</a:t>
-            </a:r>
-          </a:p>
-          <a:p>
-            <a:endParaRPr lang="en-US" dirty="0"/>
+              <a:t>Adding actions</a:t>
+            </a:r>
           </a:p>
           <a:p>
             <a:endParaRPr lang="en-US" dirty="0"/>

--- a/Overview.pptx
+++ b/Overview.pptx
@@ -213,7 +213,7 @@
           <a:p>
             <a:fld id="{F6008430-4437-B140-9146-15DEA0EE57B9}" type="datetimeFigureOut">
               <a:rPr lang="en-US" smtClean="0"/>
-              <a:t>2/17/22</a:t>
+              <a:t>2/18/22</a:t>
             </a:fld>
             <a:endParaRPr lang="en-US"/>
           </a:p>
@@ -1375,7 +1375,7 @@
           <a:p>
             <a:fld id="{88AEC091-92A8-3744-B3FE-448EBFE3AE7F}" type="datetimeFigureOut">
               <a:rPr lang="en-US" smtClean="0"/>
-              <a:t>2/17/22</a:t>
+              <a:t>2/18/22</a:t>
             </a:fld>
             <a:endParaRPr lang="en-US"/>
           </a:p>
@@ -1573,7 +1573,7 @@
           <a:p>
             <a:fld id="{88AEC091-92A8-3744-B3FE-448EBFE3AE7F}" type="datetimeFigureOut">
               <a:rPr lang="en-US" smtClean="0"/>
-              <a:t>2/17/22</a:t>
+              <a:t>2/18/22</a:t>
             </a:fld>
             <a:endParaRPr lang="en-US"/>
           </a:p>
@@ -1781,7 +1781,7 @@
           <a:p>
             <a:fld id="{88AEC091-92A8-3744-B3FE-448EBFE3AE7F}" type="datetimeFigureOut">
               <a:rPr lang="en-US" smtClean="0"/>
-              <a:t>2/17/22</a:t>
+              <a:t>2/18/22</a:t>
             </a:fld>
             <a:endParaRPr lang="en-US"/>
           </a:p>
@@ -1979,7 +1979,7 @@
           <a:p>
             <a:fld id="{88AEC091-92A8-3744-B3FE-448EBFE3AE7F}" type="datetimeFigureOut">
               <a:rPr lang="en-US" smtClean="0"/>
-              <a:t>2/17/22</a:t>
+              <a:t>2/18/22</a:t>
             </a:fld>
             <a:endParaRPr lang="en-US"/>
           </a:p>
@@ -2254,7 +2254,7 @@
           <a:p>
             <a:fld id="{88AEC091-92A8-3744-B3FE-448EBFE3AE7F}" type="datetimeFigureOut">
               <a:rPr lang="en-US" smtClean="0"/>
-              <a:t>2/17/22</a:t>
+              <a:t>2/18/22</a:t>
             </a:fld>
             <a:endParaRPr lang="en-US"/>
           </a:p>
@@ -2519,7 +2519,7 @@
           <a:p>
             <a:fld id="{88AEC091-92A8-3744-B3FE-448EBFE3AE7F}" type="datetimeFigureOut">
               <a:rPr lang="en-US" smtClean="0"/>
-              <a:t>2/17/22</a:t>
+              <a:t>2/18/22</a:t>
             </a:fld>
             <a:endParaRPr lang="en-US"/>
           </a:p>
@@ -2931,7 +2931,7 @@
           <a:p>
             <a:fld id="{88AEC091-92A8-3744-B3FE-448EBFE3AE7F}" type="datetimeFigureOut">
               <a:rPr lang="en-US" smtClean="0"/>
-              <a:t>2/17/22</a:t>
+              <a:t>2/18/22</a:t>
             </a:fld>
             <a:endParaRPr lang="en-US"/>
           </a:p>
@@ -3072,7 +3072,7 @@
           <a:p>
             <a:fld id="{88AEC091-92A8-3744-B3FE-448EBFE3AE7F}" type="datetimeFigureOut">
               <a:rPr lang="en-US" smtClean="0"/>
-              <a:t>2/17/22</a:t>
+              <a:t>2/18/22</a:t>
             </a:fld>
             <a:endParaRPr lang="en-US"/>
           </a:p>
@@ -3185,7 +3185,7 @@
           <a:p>
             <a:fld id="{88AEC091-92A8-3744-B3FE-448EBFE3AE7F}" type="datetimeFigureOut">
               <a:rPr lang="en-US" smtClean="0"/>
-              <a:t>2/17/22</a:t>
+              <a:t>2/18/22</a:t>
             </a:fld>
             <a:endParaRPr lang="en-US"/>
           </a:p>
@@ -3496,7 +3496,7 @@
           <a:p>
             <a:fld id="{88AEC091-92A8-3744-B3FE-448EBFE3AE7F}" type="datetimeFigureOut">
               <a:rPr lang="en-US" smtClean="0"/>
-              <a:t>2/17/22</a:t>
+              <a:t>2/18/22</a:t>
             </a:fld>
             <a:endParaRPr lang="en-US"/>
           </a:p>
@@ -3784,7 +3784,7 @@
           <a:p>
             <a:fld id="{88AEC091-92A8-3744-B3FE-448EBFE3AE7F}" type="datetimeFigureOut">
               <a:rPr lang="en-US" smtClean="0"/>
-              <a:t>2/17/22</a:t>
+              <a:t>2/18/22</a:t>
             </a:fld>
             <a:endParaRPr lang="en-US"/>
           </a:p>
@@ -4025,7 +4025,7 @@
           <a:p>
             <a:fld id="{88AEC091-92A8-3744-B3FE-448EBFE3AE7F}" type="datetimeFigureOut">
               <a:rPr lang="en-US" smtClean="0"/>
-              <a:t>2/17/22</a:t>
+              <a:t>2/18/22</a:t>
             </a:fld>
             <a:endParaRPr lang="en-US"/>
           </a:p>
@@ -4785,7 +4785,12 @@
             <p:ph type="title"/>
           </p:nvPr>
         </p:nvSpPr>
-        <p:spPr/>
+        <p:spPr>
+          <a:xfrm>
+            <a:off x="838200" y="365125"/>
+            <a:ext cx="10515600" cy="1325563"/>
+          </a:xfrm>
+        </p:spPr>
         <p:txBody>
           <a:bodyPr/>
           <a:lstStyle/>
